--- a/[BeAPhotographer].pptx
+++ b/[BeAPhotographer].pptx
@@ -7,6 +7,7 @@
   <p:sldIdLst>
     <p:sldId id="256" r:id="rId2"/>
     <p:sldId id="257" r:id="rId3"/>
+    <p:sldId id="258" r:id="rId4"/>
   </p:sldIdLst>
   <p:sldSz cx="6858000" cy="9144000" type="screen4x3"/>
   <p:notesSz cx="6858000" cy="9144000"/>
@@ -105,6 +106,22 @@
       </a:defRPr>
     </a:lvl9pPr>
   </p:defaultTextStyle>
+  <p:extLst>
+    <p:ext uri="{EFAFB233-063F-42B5-8137-9DF3F51BA10A}">
+      <p15:sldGuideLst xmlns:p15="http://schemas.microsoft.com/office/powerpoint/2012/main">
+        <p15:guide id="1" orient="horz" pos="2880">
+          <p15:clr>
+            <a:srgbClr val="A4A3A4"/>
+          </p15:clr>
+        </p15:guide>
+        <p15:guide id="2" pos="2160">
+          <p15:clr>
+            <a:srgbClr val="A4A3A4"/>
+          </p15:clr>
+        </p15:guide>
+      </p15:sldGuideLst>
+    </p:ext>
+  </p:extLst>
 </p:presentation>
 </file>
 
@@ -146,10 +163,9 @@
           <a:lstStyle/>
           <a:p>
             <a:r>
-              <a:rPr kumimoji="1" lang="ja-JP" altLang="en-US" smtClean="0"/>
+              <a:rPr kumimoji="1" lang="ja-JP" altLang="en-US"/>
               <a:t>マスタ タイトルの書式設定</a:t>
             </a:r>
-            <a:endParaRPr kumimoji="1" lang="ja-JP" altLang="en-US"/>
           </a:p>
         </p:txBody>
       </p:sp>
@@ -265,10 +281,9 @@
           </a:lstStyle>
           <a:p>
             <a:r>
-              <a:rPr kumimoji="1" lang="ja-JP" altLang="en-US" smtClean="0"/>
+              <a:rPr kumimoji="1" lang="ja-JP" altLang="en-US"/>
               <a:t>マスタ サブタイトルの書式設定</a:t>
             </a:r>
-            <a:endParaRPr kumimoji="1" lang="ja-JP" altLang="en-US"/>
           </a:p>
         </p:txBody>
       </p:sp>
@@ -289,7 +304,7 @@
           <a:p>
             <a:fld id="{E90ED720-0104-4369-84BC-D37694168613}" type="datetimeFigureOut">
               <a:rPr kumimoji="1" lang="ja-JP" altLang="en-US" smtClean="0"/>
-              <a:t>2018/8/27</a:t>
+              <a:t>2018/9/9</a:t>
             </a:fld>
             <a:endParaRPr kumimoji="1" lang="ja-JP" altLang="en-US"/>
           </a:p>
@@ -378,10 +393,9 @@
           <a:lstStyle/>
           <a:p>
             <a:r>
-              <a:rPr kumimoji="1" lang="ja-JP" altLang="en-US" smtClean="0"/>
+              <a:rPr kumimoji="1" lang="ja-JP" altLang="en-US"/>
               <a:t>マスタ タイトルの書式設定</a:t>
             </a:r>
-            <a:endParaRPr kumimoji="1" lang="ja-JP" altLang="en-US"/>
           </a:p>
         </p:txBody>
       </p:sp>
@@ -402,70 +416,69 @@
           <a:p>
             <a:pPr lvl="0"/>
             <a:r>
-              <a:rPr kumimoji="1" lang="ja-JP" altLang="en-US" smtClean="0"/>
+              <a:rPr kumimoji="1" lang="ja-JP" altLang="en-US"/>
               <a:t>マスタ テキストの書式設定</a:t>
             </a:r>
           </a:p>
           <a:p>
             <a:pPr lvl="1"/>
             <a:r>
-              <a:rPr kumimoji="1" lang="ja-JP" altLang="en-US" smtClean="0"/>
+              <a:rPr kumimoji="1" lang="ja-JP" altLang="en-US"/>
               <a:t>第 </a:t>
             </a:r>
             <a:r>
-              <a:rPr kumimoji="1" lang="en-US" altLang="ja-JP" smtClean="0"/>
+              <a:rPr kumimoji="1" lang="en-US" altLang="ja-JP"/>
               <a:t>2 </a:t>
             </a:r>
             <a:r>
-              <a:rPr kumimoji="1" lang="ja-JP" altLang="en-US" smtClean="0"/>
+              <a:rPr kumimoji="1" lang="ja-JP" altLang="en-US"/>
               <a:t>レベル</a:t>
             </a:r>
           </a:p>
           <a:p>
             <a:pPr lvl="2"/>
             <a:r>
-              <a:rPr kumimoji="1" lang="ja-JP" altLang="en-US" smtClean="0"/>
+              <a:rPr kumimoji="1" lang="ja-JP" altLang="en-US"/>
               <a:t>第 </a:t>
             </a:r>
             <a:r>
-              <a:rPr kumimoji="1" lang="en-US" altLang="ja-JP" smtClean="0"/>
+              <a:rPr kumimoji="1" lang="en-US" altLang="ja-JP"/>
               <a:t>3 </a:t>
             </a:r>
             <a:r>
-              <a:rPr kumimoji="1" lang="ja-JP" altLang="en-US" smtClean="0"/>
+              <a:rPr kumimoji="1" lang="ja-JP" altLang="en-US"/>
               <a:t>レベル</a:t>
             </a:r>
           </a:p>
           <a:p>
             <a:pPr lvl="3"/>
             <a:r>
-              <a:rPr kumimoji="1" lang="ja-JP" altLang="en-US" smtClean="0"/>
+              <a:rPr kumimoji="1" lang="ja-JP" altLang="en-US"/>
               <a:t>第 </a:t>
             </a:r>
             <a:r>
-              <a:rPr kumimoji="1" lang="en-US" altLang="ja-JP" smtClean="0"/>
+              <a:rPr kumimoji="1" lang="en-US" altLang="ja-JP"/>
               <a:t>4 </a:t>
             </a:r>
             <a:r>
-              <a:rPr kumimoji="1" lang="ja-JP" altLang="en-US" smtClean="0"/>
+              <a:rPr kumimoji="1" lang="ja-JP" altLang="en-US"/>
               <a:t>レベル</a:t>
             </a:r>
           </a:p>
           <a:p>
             <a:pPr lvl="4"/>
             <a:r>
-              <a:rPr kumimoji="1" lang="ja-JP" altLang="en-US" smtClean="0"/>
+              <a:rPr kumimoji="1" lang="ja-JP" altLang="en-US"/>
               <a:t>第 </a:t>
             </a:r>
             <a:r>
-              <a:rPr kumimoji="1" lang="en-US" altLang="ja-JP" smtClean="0"/>
+              <a:rPr kumimoji="1" lang="en-US" altLang="ja-JP"/>
               <a:t>5 </a:t>
             </a:r>
             <a:r>
-              <a:rPr kumimoji="1" lang="ja-JP" altLang="en-US" smtClean="0"/>
+              <a:rPr kumimoji="1" lang="ja-JP" altLang="en-US"/>
               <a:t>レベル</a:t>
             </a:r>
-            <a:endParaRPr kumimoji="1" lang="ja-JP" altLang="en-US"/>
           </a:p>
         </p:txBody>
       </p:sp>
@@ -486,7 +499,7 @@
           <a:p>
             <a:fld id="{E90ED720-0104-4369-84BC-D37694168613}" type="datetimeFigureOut">
               <a:rPr kumimoji="1" lang="ja-JP" altLang="en-US" smtClean="0"/>
-              <a:t>2018/8/27</a:t>
+              <a:t>2018/9/9</a:t>
             </a:fld>
             <a:endParaRPr kumimoji="1" lang="ja-JP" altLang="en-US"/>
           </a:p>
@@ -580,10 +593,9 @@
           <a:lstStyle/>
           <a:p>
             <a:r>
-              <a:rPr kumimoji="1" lang="ja-JP" altLang="en-US" smtClean="0"/>
+              <a:rPr kumimoji="1" lang="ja-JP" altLang="en-US"/>
               <a:t>マスタ タイトルの書式設定</a:t>
             </a:r>
-            <a:endParaRPr kumimoji="1" lang="ja-JP" altLang="en-US"/>
           </a:p>
         </p:txBody>
       </p:sp>
@@ -609,70 +621,69 @@
           <a:p>
             <a:pPr lvl="0"/>
             <a:r>
-              <a:rPr kumimoji="1" lang="ja-JP" altLang="en-US" smtClean="0"/>
+              <a:rPr kumimoji="1" lang="ja-JP" altLang="en-US"/>
               <a:t>マスタ テキストの書式設定</a:t>
             </a:r>
           </a:p>
           <a:p>
             <a:pPr lvl="1"/>
             <a:r>
-              <a:rPr kumimoji="1" lang="ja-JP" altLang="en-US" smtClean="0"/>
+              <a:rPr kumimoji="1" lang="ja-JP" altLang="en-US"/>
               <a:t>第 </a:t>
             </a:r>
             <a:r>
-              <a:rPr kumimoji="1" lang="en-US" altLang="ja-JP" smtClean="0"/>
+              <a:rPr kumimoji="1" lang="en-US" altLang="ja-JP"/>
               <a:t>2 </a:t>
             </a:r>
             <a:r>
-              <a:rPr kumimoji="1" lang="ja-JP" altLang="en-US" smtClean="0"/>
+              <a:rPr kumimoji="1" lang="ja-JP" altLang="en-US"/>
               <a:t>レベル</a:t>
             </a:r>
           </a:p>
           <a:p>
             <a:pPr lvl="2"/>
             <a:r>
-              <a:rPr kumimoji="1" lang="ja-JP" altLang="en-US" smtClean="0"/>
+              <a:rPr kumimoji="1" lang="ja-JP" altLang="en-US"/>
               <a:t>第 </a:t>
             </a:r>
             <a:r>
-              <a:rPr kumimoji="1" lang="en-US" altLang="ja-JP" smtClean="0"/>
+              <a:rPr kumimoji="1" lang="en-US" altLang="ja-JP"/>
               <a:t>3 </a:t>
             </a:r>
             <a:r>
-              <a:rPr kumimoji="1" lang="ja-JP" altLang="en-US" smtClean="0"/>
+              <a:rPr kumimoji="1" lang="ja-JP" altLang="en-US"/>
               <a:t>レベル</a:t>
             </a:r>
           </a:p>
           <a:p>
             <a:pPr lvl="3"/>
             <a:r>
-              <a:rPr kumimoji="1" lang="ja-JP" altLang="en-US" smtClean="0"/>
+              <a:rPr kumimoji="1" lang="ja-JP" altLang="en-US"/>
               <a:t>第 </a:t>
             </a:r>
             <a:r>
-              <a:rPr kumimoji="1" lang="en-US" altLang="ja-JP" smtClean="0"/>
+              <a:rPr kumimoji="1" lang="en-US" altLang="ja-JP"/>
               <a:t>4 </a:t>
             </a:r>
             <a:r>
-              <a:rPr kumimoji="1" lang="ja-JP" altLang="en-US" smtClean="0"/>
+              <a:rPr kumimoji="1" lang="ja-JP" altLang="en-US"/>
               <a:t>レベル</a:t>
             </a:r>
           </a:p>
           <a:p>
             <a:pPr lvl="4"/>
             <a:r>
-              <a:rPr kumimoji="1" lang="ja-JP" altLang="en-US" smtClean="0"/>
+              <a:rPr kumimoji="1" lang="ja-JP" altLang="en-US"/>
               <a:t>第 </a:t>
             </a:r>
             <a:r>
-              <a:rPr kumimoji="1" lang="en-US" altLang="ja-JP" smtClean="0"/>
+              <a:rPr kumimoji="1" lang="en-US" altLang="ja-JP"/>
               <a:t>5 </a:t>
             </a:r>
             <a:r>
-              <a:rPr kumimoji="1" lang="ja-JP" altLang="en-US" smtClean="0"/>
+              <a:rPr kumimoji="1" lang="ja-JP" altLang="en-US"/>
               <a:t>レベル</a:t>
             </a:r>
-            <a:endParaRPr kumimoji="1" lang="ja-JP" altLang="en-US"/>
           </a:p>
         </p:txBody>
       </p:sp>
@@ -693,7 +704,7 @@
           <a:p>
             <a:fld id="{E90ED720-0104-4369-84BC-D37694168613}" type="datetimeFigureOut">
               <a:rPr kumimoji="1" lang="ja-JP" altLang="en-US" smtClean="0"/>
-              <a:t>2018/8/27</a:t>
+              <a:t>2018/9/9</a:t>
             </a:fld>
             <a:endParaRPr kumimoji="1" lang="ja-JP" altLang="en-US"/>
           </a:p>
@@ -782,10 +793,9 @@
           <a:lstStyle/>
           <a:p>
             <a:r>
-              <a:rPr kumimoji="1" lang="ja-JP" altLang="en-US" smtClean="0"/>
+              <a:rPr kumimoji="1" lang="ja-JP" altLang="en-US"/>
               <a:t>マスタ タイトルの書式設定</a:t>
             </a:r>
-            <a:endParaRPr kumimoji="1" lang="ja-JP" altLang="en-US"/>
           </a:p>
         </p:txBody>
       </p:sp>
@@ -806,70 +816,69 @@
           <a:p>
             <a:pPr lvl="0"/>
             <a:r>
-              <a:rPr kumimoji="1" lang="ja-JP" altLang="en-US" smtClean="0"/>
+              <a:rPr kumimoji="1" lang="ja-JP" altLang="en-US"/>
               <a:t>マスタ テキストの書式設定</a:t>
             </a:r>
           </a:p>
           <a:p>
             <a:pPr lvl="1"/>
             <a:r>
-              <a:rPr kumimoji="1" lang="ja-JP" altLang="en-US" smtClean="0"/>
+              <a:rPr kumimoji="1" lang="ja-JP" altLang="en-US"/>
               <a:t>第 </a:t>
             </a:r>
             <a:r>
-              <a:rPr kumimoji="1" lang="en-US" altLang="ja-JP" smtClean="0"/>
+              <a:rPr kumimoji="1" lang="en-US" altLang="ja-JP"/>
               <a:t>2 </a:t>
             </a:r>
             <a:r>
-              <a:rPr kumimoji="1" lang="ja-JP" altLang="en-US" smtClean="0"/>
+              <a:rPr kumimoji="1" lang="ja-JP" altLang="en-US"/>
               <a:t>レベル</a:t>
             </a:r>
           </a:p>
           <a:p>
             <a:pPr lvl="2"/>
             <a:r>
-              <a:rPr kumimoji="1" lang="ja-JP" altLang="en-US" smtClean="0"/>
+              <a:rPr kumimoji="1" lang="ja-JP" altLang="en-US"/>
               <a:t>第 </a:t>
             </a:r>
             <a:r>
-              <a:rPr kumimoji="1" lang="en-US" altLang="ja-JP" smtClean="0"/>
+              <a:rPr kumimoji="1" lang="en-US" altLang="ja-JP"/>
               <a:t>3 </a:t>
             </a:r>
             <a:r>
-              <a:rPr kumimoji="1" lang="ja-JP" altLang="en-US" smtClean="0"/>
+              <a:rPr kumimoji="1" lang="ja-JP" altLang="en-US"/>
               <a:t>レベル</a:t>
             </a:r>
           </a:p>
           <a:p>
             <a:pPr lvl="3"/>
             <a:r>
-              <a:rPr kumimoji="1" lang="ja-JP" altLang="en-US" smtClean="0"/>
+              <a:rPr kumimoji="1" lang="ja-JP" altLang="en-US"/>
               <a:t>第 </a:t>
             </a:r>
             <a:r>
-              <a:rPr kumimoji="1" lang="en-US" altLang="ja-JP" smtClean="0"/>
+              <a:rPr kumimoji="1" lang="en-US" altLang="ja-JP"/>
               <a:t>4 </a:t>
             </a:r>
             <a:r>
-              <a:rPr kumimoji="1" lang="ja-JP" altLang="en-US" smtClean="0"/>
+              <a:rPr kumimoji="1" lang="ja-JP" altLang="en-US"/>
               <a:t>レベル</a:t>
             </a:r>
           </a:p>
           <a:p>
             <a:pPr lvl="4"/>
             <a:r>
-              <a:rPr kumimoji="1" lang="ja-JP" altLang="en-US" smtClean="0"/>
+              <a:rPr kumimoji="1" lang="ja-JP" altLang="en-US"/>
               <a:t>第 </a:t>
             </a:r>
             <a:r>
-              <a:rPr kumimoji="1" lang="en-US" altLang="ja-JP" smtClean="0"/>
+              <a:rPr kumimoji="1" lang="en-US" altLang="ja-JP"/>
               <a:t>5 </a:t>
             </a:r>
             <a:r>
-              <a:rPr kumimoji="1" lang="ja-JP" altLang="en-US" smtClean="0"/>
+              <a:rPr kumimoji="1" lang="ja-JP" altLang="en-US"/>
               <a:t>レベル</a:t>
             </a:r>
-            <a:endParaRPr kumimoji="1" lang="ja-JP" altLang="en-US"/>
           </a:p>
         </p:txBody>
       </p:sp>
@@ -890,7 +899,7 @@
           <a:p>
             <a:fld id="{E90ED720-0104-4369-84BC-D37694168613}" type="datetimeFigureOut">
               <a:rPr kumimoji="1" lang="ja-JP" altLang="en-US" smtClean="0"/>
-              <a:t>2018/8/27</a:t>
+              <a:t>2018/9/9</a:t>
             </a:fld>
             <a:endParaRPr kumimoji="1" lang="ja-JP" altLang="en-US"/>
           </a:p>
@@ -988,10 +997,9 @@
           </a:lstStyle>
           <a:p>
             <a:r>
-              <a:rPr kumimoji="1" lang="ja-JP" altLang="en-US" smtClean="0"/>
+              <a:rPr kumimoji="1" lang="ja-JP" altLang="en-US"/>
               <a:t>マスタ タイトルの書式設定</a:t>
             </a:r>
-            <a:endParaRPr kumimoji="1" lang="ja-JP" altLang="en-US"/>
           </a:p>
         </p:txBody>
       </p:sp>
@@ -1108,7 +1116,7 @@
           <a:p>
             <a:pPr lvl="0"/>
             <a:r>
-              <a:rPr kumimoji="1" lang="ja-JP" altLang="en-US" smtClean="0"/>
+              <a:rPr kumimoji="1" lang="ja-JP" altLang="en-US"/>
               <a:t>マスタ テキストの書式設定</a:t>
             </a:r>
           </a:p>
@@ -1131,7 +1139,7 @@
           <a:p>
             <a:fld id="{E90ED720-0104-4369-84BC-D37694168613}" type="datetimeFigureOut">
               <a:rPr kumimoji="1" lang="ja-JP" altLang="en-US" smtClean="0"/>
-              <a:t>2018/8/27</a:t>
+              <a:t>2018/9/9</a:t>
             </a:fld>
             <a:endParaRPr kumimoji="1" lang="ja-JP" altLang="en-US"/>
           </a:p>
@@ -1220,10 +1228,9 @@
           <a:lstStyle/>
           <a:p>
             <a:r>
-              <a:rPr kumimoji="1" lang="ja-JP" altLang="en-US" smtClean="0"/>
+              <a:rPr kumimoji="1" lang="ja-JP" altLang="en-US"/>
               <a:t>マスタ タイトルの書式設定</a:t>
             </a:r>
-            <a:endParaRPr kumimoji="1" lang="ja-JP" altLang="en-US"/>
           </a:p>
         </p:txBody>
       </p:sp>
@@ -1277,70 +1284,69 @@
           <a:p>
             <a:pPr lvl="0"/>
             <a:r>
-              <a:rPr kumimoji="1" lang="ja-JP" altLang="en-US" smtClean="0"/>
+              <a:rPr kumimoji="1" lang="ja-JP" altLang="en-US"/>
               <a:t>マスタ テキストの書式設定</a:t>
             </a:r>
           </a:p>
           <a:p>
             <a:pPr lvl="1"/>
             <a:r>
-              <a:rPr kumimoji="1" lang="ja-JP" altLang="en-US" smtClean="0"/>
+              <a:rPr kumimoji="1" lang="ja-JP" altLang="en-US"/>
               <a:t>第 </a:t>
             </a:r>
             <a:r>
-              <a:rPr kumimoji="1" lang="en-US" altLang="ja-JP" smtClean="0"/>
+              <a:rPr kumimoji="1" lang="en-US" altLang="ja-JP"/>
               <a:t>2 </a:t>
             </a:r>
             <a:r>
-              <a:rPr kumimoji="1" lang="ja-JP" altLang="en-US" smtClean="0"/>
+              <a:rPr kumimoji="1" lang="ja-JP" altLang="en-US"/>
               <a:t>レベル</a:t>
             </a:r>
           </a:p>
           <a:p>
             <a:pPr lvl="2"/>
             <a:r>
-              <a:rPr kumimoji="1" lang="ja-JP" altLang="en-US" smtClean="0"/>
+              <a:rPr kumimoji="1" lang="ja-JP" altLang="en-US"/>
               <a:t>第 </a:t>
             </a:r>
             <a:r>
-              <a:rPr kumimoji="1" lang="en-US" altLang="ja-JP" smtClean="0"/>
+              <a:rPr kumimoji="1" lang="en-US" altLang="ja-JP"/>
               <a:t>3 </a:t>
             </a:r>
             <a:r>
-              <a:rPr kumimoji="1" lang="ja-JP" altLang="en-US" smtClean="0"/>
+              <a:rPr kumimoji="1" lang="ja-JP" altLang="en-US"/>
               <a:t>レベル</a:t>
             </a:r>
           </a:p>
           <a:p>
             <a:pPr lvl="3"/>
             <a:r>
-              <a:rPr kumimoji="1" lang="ja-JP" altLang="en-US" smtClean="0"/>
+              <a:rPr kumimoji="1" lang="ja-JP" altLang="en-US"/>
               <a:t>第 </a:t>
             </a:r>
             <a:r>
-              <a:rPr kumimoji="1" lang="en-US" altLang="ja-JP" smtClean="0"/>
+              <a:rPr kumimoji="1" lang="en-US" altLang="ja-JP"/>
               <a:t>4 </a:t>
             </a:r>
             <a:r>
-              <a:rPr kumimoji="1" lang="ja-JP" altLang="en-US" smtClean="0"/>
+              <a:rPr kumimoji="1" lang="ja-JP" altLang="en-US"/>
               <a:t>レベル</a:t>
             </a:r>
           </a:p>
           <a:p>
             <a:pPr lvl="4"/>
             <a:r>
-              <a:rPr kumimoji="1" lang="ja-JP" altLang="en-US" smtClean="0"/>
+              <a:rPr kumimoji="1" lang="ja-JP" altLang="en-US"/>
               <a:t>第 </a:t>
             </a:r>
             <a:r>
-              <a:rPr kumimoji="1" lang="en-US" altLang="ja-JP" smtClean="0"/>
+              <a:rPr kumimoji="1" lang="en-US" altLang="ja-JP"/>
               <a:t>5 </a:t>
             </a:r>
             <a:r>
-              <a:rPr kumimoji="1" lang="ja-JP" altLang="en-US" smtClean="0"/>
+              <a:rPr kumimoji="1" lang="ja-JP" altLang="en-US"/>
               <a:t>レベル</a:t>
             </a:r>
-            <a:endParaRPr kumimoji="1" lang="ja-JP" altLang="en-US"/>
           </a:p>
         </p:txBody>
       </p:sp>
@@ -1394,70 +1400,69 @@
           <a:p>
             <a:pPr lvl="0"/>
             <a:r>
-              <a:rPr kumimoji="1" lang="ja-JP" altLang="en-US" smtClean="0"/>
+              <a:rPr kumimoji="1" lang="ja-JP" altLang="en-US"/>
               <a:t>マスタ テキストの書式設定</a:t>
             </a:r>
           </a:p>
           <a:p>
             <a:pPr lvl="1"/>
             <a:r>
-              <a:rPr kumimoji="1" lang="ja-JP" altLang="en-US" smtClean="0"/>
+              <a:rPr kumimoji="1" lang="ja-JP" altLang="en-US"/>
               <a:t>第 </a:t>
             </a:r>
             <a:r>
-              <a:rPr kumimoji="1" lang="en-US" altLang="ja-JP" smtClean="0"/>
+              <a:rPr kumimoji="1" lang="en-US" altLang="ja-JP"/>
               <a:t>2 </a:t>
             </a:r>
             <a:r>
-              <a:rPr kumimoji="1" lang="ja-JP" altLang="en-US" smtClean="0"/>
+              <a:rPr kumimoji="1" lang="ja-JP" altLang="en-US"/>
               <a:t>レベル</a:t>
             </a:r>
           </a:p>
           <a:p>
             <a:pPr lvl="2"/>
             <a:r>
-              <a:rPr kumimoji="1" lang="ja-JP" altLang="en-US" smtClean="0"/>
+              <a:rPr kumimoji="1" lang="ja-JP" altLang="en-US"/>
               <a:t>第 </a:t>
             </a:r>
             <a:r>
-              <a:rPr kumimoji="1" lang="en-US" altLang="ja-JP" smtClean="0"/>
+              <a:rPr kumimoji="1" lang="en-US" altLang="ja-JP"/>
               <a:t>3 </a:t>
             </a:r>
             <a:r>
-              <a:rPr kumimoji="1" lang="ja-JP" altLang="en-US" smtClean="0"/>
+              <a:rPr kumimoji="1" lang="ja-JP" altLang="en-US"/>
               <a:t>レベル</a:t>
             </a:r>
           </a:p>
           <a:p>
             <a:pPr lvl="3"/>
             <a:r>
-              <a:rPr kumimoji="1" lang="ja-JP" altLang="en-US" smtClean="0"/>
+              <a:rPr kumimoji="1" lang="ja-JP" altLang="en-US"/>
               <a:t>第 </a:t>
             </a:r>
             <a:r>
-              <a:rPr kumimoji="1" lang="en-US" altLang="ja-JP" smtClean="0"/>
+              <a:rPr kumimoji="1" lang="en-US" altLang="ja-JP"/>
               <a:t>4 </a:t>
             </a:r>
             <a:r>
-              <a:rPr kumimoji="1" lang="ja-JP" altLang="en-US" smtClean="0"/>
+              <a:rPr kumimoji="1" lang="ja-JP" altLang="en-US"/>
               <a:t>レベル</a:t>
             </a:r>
           </a:p>
           <a:p>
             <a:pPr lvl="4"/>
             <a:r>
-              <a:rPr kumimoji="1" lang="ja-JP" altLang="en-US" smtClean="0"/>
+              <a:rPr kumimoji="1" lang="ja-JP" altLang="en-US"/>
               <a:t>第 </a:t>
             </a:r>
             <a:r>
-              <a:rPr kumimoji="1" lang="en-US" altLang="ja-JP" smtClean="0"/>
+              <a:rPr kumimoji="1" lang="en-US" altLang="ja-JP"/>
               <a:t>5 </a:t>
             </a:r>
             <a:r>
-              <a:rPr kumimoji="1" lang="ja-JP" altLang="en-US" smtClean="0"/>
+              <a:rPr kumimoji="1" lang="ja-JP" altLang="en-US"/>
               <a:t>レベル</a:t>
             </a:r>
-            <a:endParaRPr kumimoji="1" lang="ja-JP" altLang="en-US"/>
           </a:p>
         </p:txBody>
       </p:sp>
@@ -1478,7 +1483,7 @@
           <a:p>
             <a:fld id="{E90ED720-0104-4369-84BC-D37694168613}" type="datetimeFigureOut">
               <a:rPr kumimoji="1" lang="ja-JP" altLang="en-US" smtClean="0"/>
-              <a:t>2018/8/27</a:t>
+              <a:t>2018/9/9</a:t>
             </a:fld>
             <a:endParaRPr kumimoji="1" lang="ja-JP" altLang="en-US"/>
           </a:p>
@@ -1571,10 +1576,9 @@
           </a:lstStyle>
           <a:p>
             <a:r>
-              <a:rPr kumimoji="1" lang="ja-JP" altLang="en-US" smtClean="0"/>
+              <a:rPr kumimoji="1" lang="ja-JP" altLang="en-US"/>
               <a:t>マスタ タイトルの書式設定</a:t>
             </a:r>
-            <a:endParaRPr kumimoji="1" lang="ja-JP" altLang="en-US"/>
           </a:p>
         </p:txBody>
       </p:sp>
@@ -1637,7 +1641,7 @@
           <a:p>
             <a:pPr lvl="0"/>
             <a:r>
-              <a:rPr kumimoji="1" lang="ja-JP" altLang="en-US" smtClean="0"/>
+              <a:rPr kumimoji="1" lang="ja-JP" altLang="en-US"/>
               <a:t>マスタ テキストの書式設定</a:t>
             </a:r>
           </a:p>
@@ -1693,70 +1697,69 @@
           <a:p>
             <a:pPr lvl="0"/>
             <a:r>
-              <a:rPr kumimoji="1" lang="ja-JP" altLang="en-US" smtClean="0"/>
+              <a:rPr kumimoji="1" lang="ja-JP" altLang="en-US"/>
               <a:t>マスタ テキストの書式設定</a:t>
             </a:r>
           </a:p>
           <a:p>
             <a:pPr lvl="1"/>
             <a:r>
-              <a:rPr kumimoji="1" lang="ja-JP" altLang="en-US" smtClean="0"/>
+              <a:rPr kumimoji="1" lang="ja-JP" altLang="en-US"/>
               <a:t>第 </a:t>
             </a:r>
             <a:r>
-              <a:rPr kumimoji="1" lang="en-US" altLang="ja-JP" smtClean="0"/>
+              <a:rPr kumimoji="1" lang="en-US" altLang="ja-JP"/>
               <a:t>2 </a:t>
             </a:r>
             <a:r>
-              <a:rPr kumimoji="1" lang="ja-JP" altLang="en-US" smtClean="0"/>
+              <a:rPr kumimoji="1" lang="ja-JP" altLang="en-US"/>
               <a:t>レベル</a:t>
             </a:r>
           </a:p>
           <a:p>
             <a:pPr lvl="2"/>
             <a:r>
-              <a:rPr kumimoji="1" lang="ja-JP" altLang="en-US" smtClean="0"/>
+              <a:rPr kumimoji="1" lang="ja-JP" altLang="en-US"/>
               <a:t>第 </a:t>
             </a:r>
             <a:r>
-              <a:rPr kumimoji="1" lang="en-US" altLang="ja-JP" smtClean="0"/>
+              <a:rPr kumimoji="1" lang="en-US" altLang="ja-JP"/>
               <a:t>3 </a:t>
             </a:r>
             <a:r>
-              <a:rPr kumimoji="1" lang="ja-JP" altLang="en-US" smtClean="0"/>
+              <a:rPr kumimoji="1" lang="ja-JP" altLang="en-US"/>
               <a:t>レベル</a:t>
             </a:r>
           </a:p>
           <a:p>
             <a:pPr lvl="3"/>
             <a:r>
-              <a:rPr kumimoji="1" lang="ja-JP" altLang="en-US" smtClean="0"/>
+              <a:rPr kumimoji="1" lang="ja-JP" altLang="en-US"/>
               <a:t>第 </a:t>
             </a:r>
             <a:r>
-              <a:rPr kumimoji="1" lang="en-US" altLang="ja-JP" smtClean="0"/>
+              <a:rPr kumimoji="1" lang="en-US" altLang="ja-JP"/>
               <a:t>4 </a:t>
             </a:r>
             <a:r>
-              <a:rPr kumimoji="1" lang="ja-JP" altLang="en-US" smtClean="0"/>
+              <a:rPr kumimoji="1" lang="ja-JP" altLang="en-US"/>
               <a:t>レベル</a:t>
             </a:r>
           </a:p>
           <a:p>
             <a:pPr lvl="4"/>
             <a:r>
-              <a:rPr kumimoji="1" lang="ja-JP" altLang="en-US" smtClean="0"/>
+              <a:rPr kumimoji="1" lang="ja-JP" altLang="en-US"/>
               <a:t>第 </a:t>
             </a:r>
             <a:r>
-              <a:rPr kumimoji="1" lang="en-US" altLang="ja-JP" smtClean="0"/>
+              <a:rPr kumimoji="1" lang="en-US" altLang="ja-JP"/>
               <a:t>5 </a:t>
             </a:r>
             <a:r>
-              <a:rPr kumimoji="1" lang="ja-JP" altLang="en-US" smtClean="0"/>
+              <a:rPr kumimoji="1" lang="ja-JP" altLang="en-US"/>
               <a:t>レベル</a:t>
             </a:r>
-            <a:endParaRPr kumimoji="1" lang="ja-JP" altLang="en-US"/>
           </a:p>
         </p:txBody>
       </p:sp>
@@ -1819,7 +1822,7 @@
           <a:p>
             <a:pPr lvl="0"/>
             <a:r>
-              <a:rPr kumimoji="1" lang="ja-JP" altLang="en-US" smtClean="0"/>
+              <a:rPr kumimoji="1" lang="ja-JP" altLang="en-US"/>
               <a:t>マスタ テキストの書式設定</a:t>
             </a:r>
           </a:p>
@@ -1875,70 +1878,69 @@
           <a:p>
             <a:pPr lvl="0"/>
             <a:r>
-              <a:rPr kumimoji="1" lang="ja-JP" altLang="en-US" smtClean="0"/>
+              <a:rPr kumimoji="1" lang="ja-JP" altLang="en-US"/>
               <a:t>マスタ テキストの書式設定</a:t>
             </a:r>
           </a:p>
           <a:p>
             <a:pPr lvl="1"/>
             <a:r>
-              <a:rPr kumimoji="1" lang="ja-JP" altLang="en-US" smtClean="0"/>
+              <a:rPr kumimoji="1" lang="ja-JP" altLang="en-US"/>
               <a:t>第 </a:t>
             </a:r>
             <a:r>
-              <a:rPr kumimoji="1" lang="en-US" altLang="ja-JP" smtClean="0"/>
+              <a:rPr kumimoji="1" lang="en-US" altLang="ja-JP"/>
               <a:t>2 </a:t>
             </a:r>
             <a:r>
-              <a:rPr kumimoji="1" lang="ja-JP" altLang="en-US" smtClean="0"/>
+              <a:rPr kumimoji="1" lang="ja-JP" altLang="en-US"/>
               <a:t>レベル</a:t>
             </a:r>
           </a:p>
           <a:p>
             <a:pPr lvl="2"/>
             <a:r>
-              <a:rPr kumimoji="1" lang="ja-JP" altLang="en-US" smtClean="0"/>
+              <a:rPr kumimoji="1" lang="ja-JP" altLang="en-US"/>
               <a:t>第 </a:t>
             </a:r>
             <a:r>
-              <a:rPr kumimoji="1" lang="en-US" altLang="ja-JP" smtClean="0"/>
+              <a:rPr kumimoji="1" lang="en-US" altLang="ja-JP"/>
               <a:t>3 </a:t>
             </a:r>
             <a:r>
-              <a:rPr kumimoji="1" lang="ja-JP" altLang="en-US" smtClean="0"/>
+              <a:rPr kumimoji="1" lang="ja-JP" altLang="en-US"/>
               <a:t>レベル</a:t>
             </a:r>
           </a:p>
           <a:p>
             <a:pPr lvl="3"/>
             <a:r>
-              <a:rPr kumimoji="1" lang="ja-JP" altLang="en-US" smtClean="0"/>
+              <a:rPr kumimoji="1" lang="ja-JP" altLang="en-US"/>
               <a:t>第 </a:t>
             </a:r>
             <a:r>
-              <a:rPr kumimoji="1" lang="en-US" altLang="ja-JP" smtClean="0"/>
+              <a:rPr kumimoji="1" lang="en-US" altLang="ja-JP"/>
               <a:t>4 </a:t>
             </a:r>
             <a:r>
-              <a:rPr kumimoji="1" lang="ja-JP" altLang="en-US" smtClean="0"/>
+              <a:rPr kumimoji="1" lang="ja-JP" altLang="en-US"/>
               <a:t>レベル</a:t>
             </a:r>
           </a:p>
           <a:p>
             <a:pPr lvl="4"/>
             <a:r>
-              <a:rPr kumimoji="1" lang="ja-JP" altLang="en-US" smtClean="0"/>
+              <a:rPr kumimoji="1" lang="ja-JP" altLang="en-US"/>
               <a:t>第 </a:t>
             </a:r>
             <a:r>
-              <a:rPr kumimoji="1" lang="en-US" altLang="ja-JP" smtClean="0"/>
+              <a:rPr kumimoji="1" lang="en-US" altLang="ja-JP"/>
               <a:t>5 </a:t>
             </a:r>
             <a:r>
-              <a:rPr kumimoji="1" lang="ja-JP" altLang="en-US" smtClean="0"/>
+              <a:rPr kumimoji="1" lang="ja-JP" altLang="en-US"/>
               <a:t>レベル</a:t>
             </a:r>
-            <a:endParaRPr kumimoji="1" lang="ja-JP" altLang="en-US"/>
           </a:p>
         </p:txBody>
       </p:sp>
@@ -1959,7 +1961,7 @@
           <a:p>
             <a:fld id="{E90ED720-0104-4369-84BC-D37694168613}" type="datetimeFigureOut">
               <a:rPr kumimoji="1" lang="ja-JP" altLang="en-US" smtClean="0"/>
-              <a:t>2018/8/27</a:t>
+              <a:t>2018/9/9</a:t>
             </a:fld>
             <a:endParaRPr kumimoji="1" lang="ja-JP" altLang="en-US"/>
           </a:p>
@@ -2048,10 +2050,9 @@
           <a:lstStyle/>
           <a:p>
             <a:r>
-              <a:rPr kumimoji="1" lang="ja-JP" altLang="en-US" smtClean="0"/>
+              <a:rPr kumimoji="1" lang="ja-JP" altLang="en-US"/>
               <a:t>マスタ タイトルの書式設定</a:t>
             </a:r>
-            <a:endParaRPr kumimoji="1" lang="ja-JP" altLang="en-US"/>
           </a:p>
         </p:txBody>
       </p:sp>
@@ -2072,7 +2073,7 @@
           <a:p>
             <a:fld id="{E90ED720-0104-4369-84BC-D37694168613}" type="datetimeFigureOut">
               <a:rPr kumimoji="1" lang="ja-JP" altLang="en-US" smtClean="0"/>
-              <a:t>2018/8/27</a:t>
+              <a:t>2018/9/9</a:t>
             </a:fld>
             <a:endParaRPr kumimoji="1" lang="ja-JP" altLang="en-US"/>
           </a:p>
@@ -2162,7 +2163,7 @@
           <a:p>
             <a:fld id="{E90ED720-0104-4369-84BC-D37694168613}" type="datetimeFigureOut">
               <a:rPr kumimoji="1" lang="ja-JP" altLang="en-US" smtClean="0"/>
-              <a:t>2018/8/27</a:t>
+              <a:t>2018/9/9</a:t>
             </a:fld>
             <a:endParaRPr kumimoji="1" lang="ja-JP" altLang="en-US"/>
           </a:p>
@@ -2260,10 +2261,9 @@
           </a:lstStyle>
           <a:p>
             <a:r>
-              <a:rPr kumimoji="1" lang="ja-JP" altLang="en-US" smtClean="0"/>
+              <a:rPr kumimoji="1" lang="ja-JP" altLang="en-US"/>
               <a:t>マスタ タイトルの書式設定</a:t>
             </a:r>
-            <a:endParaRPr kumimoji="1" lang="ja-JP" altLang="en-US"/>
           </a:p>
         </p:txBody>
       </p:sp>
@@ -2317,70 +2317,69 @@
           <a:p>
             <a:pPr lvl="0"/>
             <a:r>
-              <a:rPr kumimoji="1" lang="ja-JP" altLang="en-US" smtClean="0"/>
+              <a:rPr kumimoji="1" lang="ja-JP" altLang="en-US"/>
               <a:t>マスタ テキストの書式設定</a:t>
             </a:r>
           </a:p>
           <a:p>
             <a:pPr lvl="1"/>
             <a:r>
-              <a:rPr kumimoji="1" lang="ja-JP" altLang="en-US" smtClean="0"/>
+              <a:rPr kumimoji="1" lang="ja-JP" altLang="en-US"/>
               <a:t>第 </a:t>
             </a:r>
             <a:r>
-              <a:rPr kumimoji="1" lang="en-US" altLang="ja-JP" smtClean="0"/>
+              <a:rPr kumimoji="1" lang="en-US" altLang="ja-JP"/>
               <a:t>2 </a:t>
             </a:r>
             <a:r>
-              <a:rPr kumimoji="1" lang="ja-JP" altLang="en-US" smtClean="0"/>
+              <a:rPr kumimoji="1" lang="ja-JP" altLang="en-US"/>
               <a:t>レベル</a:t>
             </a:r>
           </a:p>
           <a:p>
             <a:pPr lvl="2"/>
             <a:r>
-              <a:rPr kumimoji="1" lang="ja-JP" altLang="en-US" smtClean="0"/>
+              <a:rPr kumimoji="1" lang="ja-JP" altLang="en-US"/>
               <a:t>第 </a:t>
             </a:r>
             <a:r>
-              <a:rPr kumimoji="1" lang="en-US" altLang="ja-JP" smtClean="0"/>
+              <a:rPr kumimoji="1" lang="en-US" altLang="ja-JP"/>
               <a:t>3 </a:t>
             </a:r>
             <a:r>
-              <a:rPr kumimoji="1" lang="ja-JP" altLang="en-US" smtClean="0"/>
+              <a:rPr kumimoji="1" lang="ja-JP" altLang="en-US"/>
               <a:t>レベル</a:t>
             </a:r>
           </a:p>
           <a:p>
             <a:pPr lvl="3"/>
             <a:r>
-              <a:rPr kumimoji="1" lang="ja-JP" altLang="en-US" smtClean="0"/>
+              <a:rPr kumimoji="1" lang="ja-JP" altLang="en-US"/>
               <a:t>第 </a:t>
             </a:r>
             <a:r>
-              <a:rPr kumimoji="1" lang="en-US" altLang="ja-JP" smtClean="0"/>
+              <a:rPr kumimoji="1" lang="en-US" altLang="ja-JP"/>
               <a:t>4 </a:t>
             </a:r>
             <a:r>
-              <a:rPr kumimoji="1" lang="ja-JP" altLang="en-US" smtClean="0"/>
+              <a:rPr kumimoji="1" lang="ja-JP" altLang="en-US"/>
               <a:t>レベル</a:t>
             </a:r>
           </a:p>
           <a:p>
             <a:pPr lvl="4"/>
             <a:r>
-              <a:rPr kumimoji="1" lang="ja-JP" altLang="en-US" smtClean="0"/>
+              <a:rPr kumimoji="1" lang="ja-JP" altLang="en-US"/>
               <a:t>第 </a:t>
             </a:r>
             <a:r>
-              <a:rPr kumimoji="1" lang="en-US" altLang="ja-JP" smtClean="0"/>
+              <a:rPr kumimoji="1" lang="en-US" altLang="ja-JP"/>
               <a:t>5 </a:t>
             </a:r>
             <a:r>
-              <a:rPr kumimoji="1" lang="ja-JP" altLang="en-US" smtClean="0"/>
+              <a:rPr kumimoji="1" lang="ja-JP" altLang="en-US"/>
               <a:t>レベル</a:t>
             </a:r>
-            <a:endParaRPr kumimoji="1" lang="ja-JP" altLang="en-US"/>
           </a:p>
         </p:txBody>
       </p:sp>
@@ -2443,7 +2442,7 @@
           <a:p>
             <a:pPr lvl="0"/>
             <a:r>
-              <a:rPr kumimoji="1" lang="ja-JP" altLang="en-US" smtClean="0"/>
+              <a:rPr kumimoji="1" lang="ja-JP" altLang="en-US"/>
               <a:t>マスタ テキストの書式設定</a:t>
             </a:r>
           </a:p>
@@ -2466,7 +2465,7 @@
           <a:p>
             <a:fld id="{E90ED720-0104-4369-84BC-D37694168613}" type="datetimeFigureOut">
               <a:rPr kumimoji="1" lang="ja-JP" altLang="en-US" smtClean="0"/>
-              <a:t>2018/8/27</a:t>
+              <a:t>2018/9/9</a:t>
             </a:fld>
             <a:endParaRPr kumimoji="1" lang="ja-JP" altLang="en-US"/>
           </a:p>
@@ -2564,10 +2563,9 @@
           </a:lstStyle>
           <a:p>
             <a:r>
-              <a:rPr kumimoji="1" lang="ja-JP" altLang="en-US" smtClean="0"/>
+              <a:rPr kumimoji="1" lang="ja-JP" altLang="en-US"/>
               <a:t>マスタ タイトルの書式設定</a:t>
             </a:r>
-            <a:endParaRPr kumimoji="1" lang="ja-JP" altLang="en-US"/>
           </a:p>
         </p:txBody>
       </p:sp>
@@ -2691,7 +2689,7 @@
           <a:p>
             <a:pPr lvl="0"/>
             <a:r>
-              <a:rPr kumimoji="1" lang="ja-JP" altLang="en-US" smtClean="0"/>
+              <a:rPr kumimoji="1" lang="ja-JP" altLang="en-US"/>
               <a:t>マスタ テキストの書式設定</a:t>
             </a:r>
           </a:p>
@@ -2714,7 +2712,7 @@
           <a:p>
             <a:fld id="{E90ED720-0104-4369-84BC-D37694168613}" type="datetimeFigureOut">
               <a:rPr kumimoji="1" lang="ja-JP" altLang="en-US" smtClean="0"/>
-              <a:t>2018/8/27</a:t>
+              <a:t>2018/9/9</a:t>
             </a:fld>
             <a:endParaRPr kumimoji="1" lang="ja-JP" altLang="en-US"/>
           </a:p>
@@ -2818,10 +2816,9 @@
           <a:lstStyle/>
           <a:p>
             <a:r>
-              <a:rPr kumimoji="1" lang="ja-JP" altLang="en-US" smtClean="0"/>
+              <a:rPr kumimoji="1" lang="ja-JP" altLang="en-US"/>
               <a:t>マスタ タイトルの書式設定</a:t>
             </a:r>
-            <a:endParaRPr kumimoji="1" lang="ja-JP" altLang="en-US"/>
           </a:p>
         </p:txBody>
       </p:sp>
@@ -2852,70 +2849,69 @@
           <a:p>
             <a:pPr lvl="0"/>
             <a:r>
-              <a:rPr kumimoji="1" lang="ja-JP" altLang="en-US" smtClean="0"/>
+              <a:rPr kumimoji="1" lang="ja-JP" altLang="en-US"/>
               <a:t>マスタ テキストの書式設定</a:t>
             </a:r>
           </a:p>
           <a:p>
             <a:pPr lvl="1"/>
             <a:r>
-              <a:rPr kumimoji="1" lang="ja-JP" altLang="en-US" smtClean="0"/>
+              <a:rPr kumimoji="1" lang="ja-JP" altLang="en-US"/>
               <a:t>第 </a:t>
             </a:r>
             <a:r>
-              <a:rPr kumimoji="1" lang="en-US" altLang="ja-JP" smtClean="0"/>
+              <a:rPr kumimoji="1" lang="en-US" altLang="ja-JP"/>
               <a:t>2 </a:t>
             </a:r>
             <a:r>
-              <a:rPr kumimoji="1" lang="ja-JP" altLang="en-US" smtClean="0"/>
+              <a:rPr kumimoji="1" lang="ja-JP" altLang="en-US"/>
               <a:t>レベル</a:t>
             </a:r>
           </a:p>
           <a:p>
             <a:pPr lvl="2"/>
             <a:r>
-              <a:rPr kumimoji="1" lang="ja-JP" altLang="en-US" smtClean="0"/>
+              <a:rPr kumimoji="1" lang="ja-JP" altLang="en-US"/>
               <a:t>第 </a:t>
             </a:r>
             <a:r>
-              <a:rPr kumimoji="1" lang="en-US" altLang="ja-JP" smtClean="0"/>
+              <a:rPr kumimoji="1" lang="en-US" altLang="ja-JP"/>
               <a:t>3 </a:t>
             </a:r>
             <a:r>
-              <a:rPr kumimoji="1" lang="ja-JP" altLang="en-US" smtClean="0"/>
+              <a:rPr kumimoji="1" lang="ja-JP" altLang="en-US"/>
               <a:t>レベル</a:t>
             </a:r>
           </a:p>
           <a:p>
             <a:pPr lvl="3"/>
             <a:r>
-              <a:rPr kumimoji="1" lang="ja-JP" altLang="en-US" smtClean="0"/>
+              <a:rPr kumimoji="1" lang="ja-JP" altLang="en-US"/>
               <a:t>第 </a:t>
             </a:r>
             <a:r>
-              <a:rPr kumimoji="1" lang="en-US" altLang="ja-JP" smtClean="0"/>
+              <a:rPr kumimoji="1" lang="en-US" altLang="ja-JP"/>
               <a:t>4 </a:t>
             </a:r>
             <a:r>
-              <a:rPr kumimoji="1" lang="ja-JP" altLang="en-US" smtClean="0"/>
+              <a:rPr kumimoji="1" lang="ja-JP" altLang="en-US"/>
               <a:t>レベル</a:t>
             </a:r>
           </a:p>
           <a:p>
             <a:pPr lvl="4"/>
             <a:r>
-              <a:rPr kumimoji="1" lang="ja-JP" altLang="en-US" smtClean="0"/>
+              <a:rPr kumimoji="1" lang="ja-JP" altLang="en-US"/>
               <a:t>第 </a:t>
             </a:r>
             <a:r>
-              <a:rPr kumimoji="1" lang="en-US" altLang="ja-JP" smtClean="0"/>
+              <a:rPr kumimoji="1" lang="en-US" altLang="ja-JP"/>
               <a:t>5 </a:t>
             </a:r>
             <a:r>
-              <a:rPr kumimoji="1" lang="ja-JP" altLang="en-US" smtClean="0"/>
+              <a:rPr kumimoji="1" lang="ja-JP" altLang="en-US"/>
               <a:t>レベル</a:t>
             </a:r>
-            <a:endParaRPr kumimoji="1" lang="ja-JP" altLang="en-US"/>
           </a:p>
         </p:txBody>
       </p:sp>
@@ -2954,7 +2950,7 @@
           <a:p>
             <a:fld id="{E90ED720-0104-4369-84BC-D37694168613}" type="datetimeFigureOut">
               <a:rPr kumimoji="1" lang="ja-JP" altLang="en-US" smtClean="0"/>
-              <a:t>2018/8/27</a:t>
+              <a:t>2018/9/9</a:t>
             </a:fld>
             <a:endParaRPr kumimoji="1" lang="ja-JP" altLang="en-US"/>
           </a:p>
@@ -3347,19 +3343,19 @@
           <a:lstStyle/>
           <a:p>
             <a:r>
-              <a:rPr kumimoji="1" lang="en-US" altLang="ja-JP" dirty="0" smtClean="0"/>
+              <a:rPr kumimoji="1" lang="en-US" altLang="ja-JP" dirty="0"/>
               <a:t>This </a:t>
             </a:r>
             <a:r>
-              <a:rPr kumimoji="1" lang="en-US" altLang="ja-JP" dirty="0" err="1" smtClean="0"/>
+              <a:rPr kumimoji="1" lang="en-US" altLang="ja-JP" dirty="0" err="1"/>
               <a:t>ppt</a:t>
             </a:r>
             <a:r>
-              <a:rPr kumimoji="1" lang="en-US" altLang="ja-JP" smtClean="0"/>
+              <a:rPr kumimoji="1" lang="en-US" altLang="ja-JP"/>
               <a:t> is </a:t>
             </a:r>
             <a:r>
-              <a:rPr kumimoji="1" lang="en-US" altLang="ja-JP" dirty="0" smtClean="0"/>
+              <a:rPr kumimoji="1" lang="en-US" altLang="ja-JP" dirty="0"/>
               <a:t>for summarizing all photography knowledge.</a:t>
             </a:r>
             <a:endParaRPr kumimoji="1" lang="ja-JP" altLang="en-US" dirty="0"/>
@@ -3729,6 +3725,243 @@
     <p:extLst>
       <p:ext uri="{BB962C8B-B14F-4D97-AF65-F5344CB8AC3E}">
         <p14:creationId xmlns:p14="http://schemas.microsoft.com/office/powerpoint/2010/main" val="3701786437"/>
+      </p:ext>
+    </p:extLst>
+  </p:cSld>
+  <p:clrMapOvr>
+    <a:masterClrMapping/>
+  </p:clrMapOvr>
+</p:sld>
+</file>
+
+<file path=ppt/slides/slide3.xml><?xml version="1.0" encoding="utf-8"?>
+<p:sld xmlns:a="http://schemas.openxmlformats.org/drawingml/2006/main" xmlns:r="http://schemas.openxmlformats.org/officeDocument/2006/relationships" xmlns:p="http://schemas.openxmlformats.org/presentationml/2006/main">
+  <p:cSld>
+    <p:spTree>
+      <p:nvGrpSpPr>
+        <p:cNvPr id="1" name=""/>
+        <p:cNvGrpSpPr/>
+        <p:nvPr/>
+      </p:nvGrpSpPr>
+      <p:grpSpPr>
+        <a:xfrm>
+          <a:off x="0" y="0"/>
+          <a:ext cx="0" cy="0"/>
+          <a:chOff x="0" y="0"/>
+          <a:chExt cx="0" cy="0"/>
+        </a:xfrm>
+      </p:grpSpPr>
+      <p:sp>
+        <p:nvSpPr>
+          <p:cNvPr id="2" name="TextBox 1">
+            <a:extLst>
+              <a:ext uri="{FF2B5EF4-FFF2-40B4-BE49-F238E27FC236}">
+                <a16:creationId xmlns:a16="http://schemas.microsoft.com/office/drawing/2014/main" id="{13EB9455-F849-E244-AAFB-6AC0CD3D7143}"/>
+              </a:ext>
+            </a:extLst>
+          </p:cNvPr>
+          <p:cNvSpPr txBox="1"/>
+          <p:nvPr/>
+        </p:nvSpPr>
+        <p:spPr>
+          <a:xfrm>
+            <a:off x="0" y="0"/>
+            <a:ext cx="7744428" cy="1477328"/>
+          </a:xfrm>
+          <a:prstGeom prst="rect">
+            <a:avLst/>
+          </a:prstGeom>
+          <a:noFill/>
+        </p:spPr>
+        <p:txBody>
+          <a:bodyPr wrap="none" rtlCol="0">
+            <a:spAutoFit/>
+          </a:bodyPr>
+          <a:lstStyle/>
+          <a:p>
+            <a:r>
+              <a:rPr lang="en-US" dirty="0"/>
+              <a:t>Aperture vs. depth of field(</a:t>
+            </a:r>
+            <a:r>
+              <a:rPr lang="ja-JP" altLang="en-US"/>
+              <a:t>景深效果</a:t>
+            </a:r>
+            <a:r>
+              <a:rPr lang="en-US" dirty="0"/>
+              <a:t>): </a:t>
+            </a:r>
+          </a:p>
+          <a:p>
+            <a:pPr marL="285750" indent="-285750">
+              <a:buFont typeface="Arial" panose="020B0604020202020204" pitchFamily="34" charset="0"/>
+              <a:buChar char="•"/>
+            </a:pPr>
+            <a:r>
+              <a:rPr lang="en-US" dirty="0"/>
+              <a:t>F/#, #</a:t>
+            </a:r>
+            <a:r>
+              <a:rPr lang="ja-JP" altLang="en-US"/>
+              <a:t>越大</a:t>
+            </a:r>
+            <a:r>
+              <a:rPr lang="en-US" altLang="ja-JP" dirty="0"/>
+              <a:t>aperture</a:t>
+            </a:r>
+            <a:r>
+              <a:rPr lang="ja-JP" altLang="en-US"/>
+              <a:t>越小</a:t>
+            </a:r>
+            <a:r>
+              <a:rPr lang="zh-CN" altLang="en-US" dirty="0"/>
+              <a:t>，</a:t>
+            </a:r>
+            <a:r>
+              <a:rPr lang="ja-JP" altLang="en-US"/>
+              <a:t>拍出来的照片越暗</a:t>
+            </a:r>
+            <a:endParaRPr lang="en-US" altLang="ja-JP" dirty="0"/>
+          </a:p>
+          <a:p>
+            <a:pPr marL="285750" indent="-285750">
+              <a:buFont typeface="Arial" panose="020B0604020202020204" pitchFamily="34" charset="0"/>
+              <a:buChar char="•"/>
+            </a:pPr>
+            <a:r>
+              <a:rPr lang="en-US" altLang="zh-CN" dirty="0"/>
+              <a:t>#</a:t>
+            </a:r>
+            <a:r>
+              <a:rPr lang="ja-JP" altLang="en-US"/>
+              <a:t>越大</a:t>
+            </a:r>
+            <a:r>
+              <a:rPr lang="zh-CN" altLang="en-US" dirty="0"/>
+              <a:t>，</a:t>
+            </a:r>
+            <a:r>
+              <a:rPr lang="ja-JP" altLang="en-US"/>
+              <a:t>拍出来的照片中所有东西就越清晰</a:t>
+            </a:r>
+            <a:r>
+              <a:rPr lang="zh-CN" altLang="en-US" dirty="0"/>
+              <a:t>，</a:t>
+            </a:r>
+            <a:endParaRPr lang="en-US" altLang="zh-CN" dirty="0"/>
+          </a:p>
+          <a:p>
+            <a:pPr marL="285750" indent="-285750">
+              <a:buFont typeface="Arial" panose="020B0604020202020204" pitchFamily="34" charset="0"/>
+              <a:buChar char="•"/>
+            </a:pPr>
+            <a:r>
+              <a:rPr lang="en-US" altLang="zh-CN" dirty="0"/>
+              <a:t>#</a:t>
+            </a:r>
+            <a:r>
+              <a:rPr lang="ja-JP" altLang="en-US"/>
+              <a:t>越小</a:t>
+            </a:r>
+            <a:r>
+              <a:rPr lang="zh-CN" altLang="en-US" dirty="0"/>
+              <a:t>，</a:t>
+            </a:r>
+            <a:r>
+              <a:rPr lang="ja-JP" altLang="en-US"/>
+              <a:t>拍出来的照片中就只有一部分清晰</a:t>
+            </a:r>
+            <a:r>
+              <a:rPr lang="zh-CN" altLang="en-US" dirty="0"/>
+              <a:t>，</a:t>
+            </a:r>
+            <a:r>
+              <a:rPr lang="ja-JP" altLang="en-US"/>
+              <a:t>其他部分模糊</a:t>
+            </a:r>
+            <a:r>
+              <a:rPr lang="zh-CN" altLang="en-US" dirty="0"/>
+              <a:t>，</a:t>
+            </a:r>
+            <a:r>
+              <a:rPr lang="ja-JP" altLang="en-US"/>
+              <a:t>景深效果大</a:t>
+            </a:r>
+            <a:endParaRPr lang="en-US" altLang="ja-JP" dirty="0"/>
+          </a:p>
+          <a:p>
+            <a:pPr marL="742950" lvl="1" indent="-285750">
+              <a:buFont typeface="Arial" panose="020B0604020202020204" pitchFamily="34" charset="0"/>
+              <a:buChar char="•"/>
+            </a:pPr>
+            <a:r>
+              <a:rPr lang="ja-JP" altLang="en-US"/>
+              <a:t>一般</a:t>
+            </a:r>
+            <a:r>
+              <a:rPr lang="en-US" altLang="ja-JP" dirty="0"/>
+              <a:t>Nikon</a:t>
+            </a:r>
+            <a:r>
+              <a:rPr lang="ja-JP" altLang="en-US"/>
+              <a:t>的</a:t>
+            </a:r>
+            <a:r>
+              <a:rPr lang="en-US" altLang="ja-JP" dirty="0"/>
+              <a:t>portrait</a:t>
+            </a:r>
+            <a:r>
+              <a:rPr lang="zh-CN" altLang="en-US" dirty="0"/>
+              <a:t> </a:t>
+            </a:r>
+            <a:r>
+              <a:rPr lang="en-US" altLang="zh-CN" dirty="0"/>
+              <a:t>lens</a:t>
+            </a:r>
+            <a:r>
+              <a:rPr lang="ja-JP" altLang="en-US"/>
+              <a:t>的</a:t>
+            </a:r>
+            <a:r>
+              <a:rPr lang="en-US" altLang="ja-JP" dirty="0"/>
+              <a:t>F</a:t>
+            </a:r>
+            <a:r>
+              <a:rPr lang="en-US" altLang="zh-CN" dirty="0"/>
+              <a:t>/#</a:t>
+            </a:r>
+            <a:r>
+              <a:rPr lang="ja-JP" altLang="en-US"/>
+              <a:t>是</a:t>
+            </a:r>
+            <a:r>
+              <a:rPr lang="en-US" altLang="zh-CN" dirty="0"/>
+              <a:t>1.4</a:t>
+            </a:r>
+            <a:r>
+              <a:rPr lang="ja-JP" altLang="en-US"/>
+              <a:t>或</a:t>
+            </a:r>
+            <a:r>
+              <a:rPr lang="en-US" altLang="zh-CN" dirty="0"/>
+              <a:t>1.8</a:t>
+            </a:r>
+            <a:r>
+              <a:rPr lang="zh-CN" altLang="en-US" dirty="0"/>
+              <a:t>，</a:t>
+            </a:r>
+            <a:r>
+              <a:rPr lang="ja-JP" altLang="en-US"/>
+              <a:t>拍出来的景深效果大</a:t>
+            </a:r>
+            <a:endParaRPr lang="en-US" dirty="0"/>
+          </a:p>
+        </p:txBody>
+      </p:sp>
+    </p:spTree>
+    <p:extLst>
+      <p:ext uri="{BB962C8B-B14F-4D97-AF65-F5344CB8AC3E}">
+        <p14:creationId xmlns:p14="http://schemas.microsoft.com/office/powerpoint/2010/main" val="1332440179"/>
       </p:ext>
     </p:extLst>
   </p:cSld>

--- a/[BeAPhotographer].pptx
+++ b/[BeAPhotographer].pptx
@@ -3766,7 +3766,7 @@
         <p:spPr>
           <a:xfrm>
             <a:off x="0" y="0"/>
-            <a:ext cx="7744428" cy="1477328"/>
+            <a:ext cx="7744428" cy="1754326"/>
           </a:xfrm>
           <a:prstGeom prst="rect">
             <a:avLst/>
@@ -3954,10 +3954,57 @@
               <a:rPr lang="ja-JP" altLang="en-US"/>
               <a:t>拍出来的景深效果大</a:t>
             </a:r>
+            <a:endParaRPr lang="en-US" altLang="ja-JP" dirty="0"/>
+          </a:p>
+          <a:p>
+            <a:pPr marL="742950" lvl="1" indent="-285750">
+              <a:buFont typeface="Arial" panose="020B0604020202020204" pitchFamily="34" charset="0"/>
+              <a:buChar char="•"/>
+            </a:pPr>
+            <a:r>
+              <a:rPr lang="ja-JP" altLang="en-US"/>
+              <a:t>具体效果见下图</a:t>
+            </a:r>
             <a:endParaRPr lang="en-US" dirty="0"/>
           </a:p>
         </p:txBody>
       </p:sp>
+      <p:pic>
+        <p:nvPicPr>
+          <p:cNvPr id="4" name="Picture 3">
+            <a:extLst>
+              <a:ext uri="{FF2B5EF4-FFF2-40B4-BE49-F238E27FC236}">
+                <a16:creationId xmlns:a16="http://schemas.microsoft.com/office/drawing/2014/main" id="{A4BFF6C8-E192-4C42-B51F-EBD4444213CB}"/>
+              </a:ext>
+            </a:extLst>
+          </p:cNvPr>
+          <p:cNvPicPr>
+            <a:picLocks noChangeAspect="1"/>
+          </p:cNvPicPr>
+          <p:nvPr/>
+        </p:nvPicPr>
+        <p:blipFill>
+          <a:blip r:embed="rId2">
+            <a:extLst>
+              <a:ext uri="{28A0092B-C50C-407E-A947-70E740481C1C}">
+                <a14:useLocalDpi xmlns:a14="http://schemas.microsoft.com/office/drawing/2010/main" val="0"/>
+              </a:ext>
+            </a:extLst>
+          </a:blip>
+          <a:stretch>
+            <a:fillRect/>
+          </a:stretch>
+        </p:blipFill>
+        <p:spPr>
+          <a:xfrm>
+            <a:off x="0" y="1907704"/>
+            <a:ext cx="6858000" cy="2944906"/>
+          </a:xfrm>
+          <a:prstGeom prst="rect">
+            <a:avLst/>
+          </a:prstGeom>
+        </p:spPr>
+      </p:pic>
     </p:spTree>
     <p:extLst>
       <p:ext uri="{BB962C8B-B14F-4D97-AF65-F5344CB8AC3E}">

--- a/[BeAPhotographer].pptx
+++ b/[BeAPhotographer].pptx
@@ -304,7 +304,7 @@
           <a:p>
             <a:fld id="{E90ED720-0104-4369-84BC-D37694168613}" type="datetimeFigureOut">
               <a:rPr kumimoji="1" lang="ja-JP" altLang="en-US" smtClean="0"/>
-              <a:t>2018/9/9</a:t>
+              <a:t>2018/9/10</a:t>
             </a:fld>
             <a:endParaRPr kumimoji="1" lang="ja-JP" altLang="en-US"/>
           </a:p>
@@ -499,7 +499,7 @@
           <a:p>
             <a:fld id="{E90ED720-0104-4369-84BC-D37694168613}" type="datetimeFigureOut">
               <a:rPr kumimoji="1" lang="ja-JP" altLang="en-US" smtClean="0"/>
-              <a:t>2018/9/9</a:t>
+              <a:t>2018/9/10</a:t>
             </a:fld>
             <a:endParaRPr kumimoji="1" lang="ja-JP" altLang="en-US"/>
           </a:p>
@@ -704,7 +704,7 @@
           <a:p>
             <a:fld id="{E90ED720-0104-4369-84BC-D37694168613}" type="datetimeFigureOut">
               <a:rPr kumimoji="1" lang="ja-JP" altLang="en-US" smtClean="0"/>
-              <a:t>2018/9/9</a:t>
+              <a:t>2018/9/10</a:t>
             </a:fld>
             <a:endParaRPr kumimoji="1" lang="ja-JP" altLang="en-US"/>
           </a:p>
@@ -899,7 +899,7 @@
           <a:p>
             <a:fld id="{E90ED720-0104-4369-84BC-D37694168613}" type="datetimeFigureOut">
               <a:rPr kumimoji="1" lang="ja-JP" altLang="en-US" smtClean="0"/>
-              <a:t>2018/9/9</a:t>
+              <a:t>2018/9/10</a:t>
             </a:fld>
             <a:endParaRPr kumimoji="1" lang="ja-JP" altLang="en-US"/>
           </a:p>
@@ -1139,7 +1139,7 @@
           <a:p>
             <a:fld id="{E90ED720-0104-4369-84BC-D37694168613}" type="datetimeFigureOut">
               <a:rPr kumimoji="1" lang="ja-JP" altLang="en-US" smtClean="0"/>
-              <a:t>2018/9/9</a:t>
+              <a:t>2018/9/10</a:t>
             </a:fld>
             <a:endParaRPr kumimoji="1" lang="ja-JP" altLang="en-US"/>
           </a:p>
@@ -1483,7 +1483,7 @@
           <a:p>
             <a:fld id="{E90ED720-0104-4369-84BC-D37694168613}" type="datetimeFigureOut">
               <a:rPr kumimoji="1" lang="ja-JP" altLang="en-US" smtClean="0"/>
-              <a:t>2018/9/9</a:t>
+              <a:t>2018/9/10</a:t>
             </a:fld>
             <a:endParaRPr kumimoji="1" lang="ja-JP" altLang="en-US"/>
           </a:p>
@@ -1961,7 +1961,7 @@
           <a:p>
             <a:fld id="{E90ED720-0104-4369-84BC-D37694168613}" type="datetimeFigureOut">
               <a:rPr kumimoji="1" lang="ja-JP" altLang="en-US" smtClean="0"/>
-              <a:t>2018/9/9</a:t>
+              <a:t>2018/9/10</a:t>
             </a:fld>
             <a:endParaRPr kumimoji="1" lang="ja-JP" altLang="en-US"/>
           </a:p>
@@ -2073,7 +2073,7 @@
           <a:p>
             <a:fld id="{E90ED720-0104-4369-84BC-D37694168613}" type="datetimeFigureOut">
               <a:rPr kumimoji="1" lang="ja-JP" altLang="en-US" smtClean="0"/>
-              <a:t>2018/9/9</a:t>
+              <a:t>2018/9/10</a:t>
             </a:fld>
             <a:endParaRPr kumimoji="1" lang="ja-JP" altLang="en-US"/>
           </a:p>
@@ -2163,7 +2163,7 @@
           <a:p>
             <a:fld id="{E90ED720-0104-4369-84BC-D37694168613}" type="datetimeFigureOut">
               <a:rPr kumimoji="1" lang="ja-JP" altLang="en-US" smtClean="0"/>
-              <a:t>2018/9/9</a:t>
+              <a:t>2018/9/10</a:t>
             </a:fld>
             <a:endParaRPr kumimoji="1" lang="ja-JP" altLang="en-US"/>
           </a:p>
@@ -2465,7 +2465,7 @@
           <a:p>
             <a:fld id="{E90ED720-0104-4369-84BC-D37694168613}" type="datetimeFigureOut">
               <a:rPr kumimoji="1" lang="ja-JP" altLang="en-US" smtClean="0"/>
-              <a:t>2018/9/9</a:t>
+              <a:t>2018/9/10</a:t>
             </a:fld>
             <a:endParaRPr kumimoji="1" lang="ja-JP" altLang="en-US"/>
           </a:p>
@@ -2712,7 +2712,7 @@
           <a:p>
             <a:fld id="{E90ED720-0104-4369-84BC-D37694168613}" type="datetimeFigureOut">
               <a:rPr kumimoji="1" lang="ja-JP" altLang="en-US" smtClean="0"/>
-              <a:t>2018/9/9</a:t>
+              <a:t>2018/9/10</a:t>
             </a:fld>
             <a:endParaRPr kumimoji="1" lang="ja-JP" altLang="en-US"/>
           </a:p>
@@ -2950,7 +2950,7 @@
           <a:p>
             <a:fld id="{E90ED720-0104-4369-84BC-D37694168613}" type="datetimeFigureOut">
               <a:rPr kumimoji="1" lang="ja-JP" altLang="en-US" smtClean="0"/>
-              <a:t>2018/9/9</a:t>
+              <a:t>2018/9/10</a:t>
             </a:fld>
             <a:endParaRPr kumimoji="1" lang="ja-JP" altLang="en-US"/>
           </a:p>
@@ -4005,6 +4005,270 @@
           </a:prstGeom>
         </p:spPr>
       </p:pic>
+      <p:sp>
+        <p:nvSpPr>
+          <p:cNvPr id="5" name="テキスト ボックス 1">
+            <a:extLst>
+              <a:ext uri="{FF2B5EF4-FFF2-40B4-BE49-F238E27FC236}">
+                <a16:creationId xmlns:a16="http://schemas.microsoft.com/office/drawing/2014/main" id="{462D6A57-2568-45DA-B857-7D4B0A430CEC}"/>
+              </a:ext>
+            </a:extLst>
+          </p:cNvPr>
+          <p:cNvSpPr txBox="1"/>
+          <p:nvPr/>
+        </p:nvSpPr>
+        <p:spPr>
+          <a:xfrm>
+            <a:off x="0" y="6084168"/>
+            <a:ext cx="6858000" cy="2585323"/>
+          </a:xfrm>
+          <a:prstGeom prst="rect">
+            <a:avLst/>
+          </a:prstGeom>
+          <a:noFill/>
+        </p:spPr>
+        <p:txBody>
+          <a:bodyPr wrap="square" rtlCol="0">
+            <a:spAutoFit/>
+          </a:bodyPr>
+          <a:lstStyle/>
+          <a:p>
+            <a:r>
+              <a:rPr lang="en-US" altLang="zh-CN" dirty="0"/>
+              <a:t>Lens</a:t>
+            </a:r>
+            <a:r>
+              <a:rPr lang="zh-CN" altLang="en-US" dirty="0"/>
+              <a:t>的各种参数怎么看：</a:t>
+            </a:r>
+            <a:endParaRPr lang="en-US" altLang="zh-CN" dirty="0"/>
+          </a:p>
+          <a:p>
+            <a:pPr marL="285750" indent="-285750">
+              <a:buFont typeface="Arial" panose="020B0604020202020204" pitchFamily="34" charset="0"/>
+              <a:buChar char="•"/>
+            </a:pPr>
+            <a:r>
+              <a:rPr lang="en-US" altLang="zh-CN" b="1" dirty="0">
+                <a:solidFill>
+                  <a:srgbClr val="FF0000"/>
+                </a:solidFill>
+              </a:rPr>
+              <a:t>AF-S</a:t>
+            </a:r>
+            <a:r>
+              <a:rPr lang="en-US" altLang="zh-CN" dirty="0"/>
+              <a:t>: auto focus single, </a:t>
+            </a:r>
+            <a:r>
+              <a:rPr lang="zh-CN" altLang="en-US" dirty="0"/>
+              <a:t>一般用来拍静止物体的</a:t>
+            </a:r>
+            <a:r>
+              <a:rPr lang="en-US" altLang="zh-CN" dirty="0"/>
+              <a:t>lens(e.g., </a:t>
+            </a:r>
+            <a:r>
+              <a:rPr lang="zh-CN" altLang="en-US" dirty="0"/>
+              <a:t>拍花，人的</a:t>
+            </a:r>
+            <a:r>
+              <a:rPr lang="en-US" altLang="zh-CN" dirty="0"/>
+              <a:t>portrait lens)</a:t>
+            </a:r>
+          </a:p>
+          <a:p>
+            <a:pPr marL="285750" indent="-285750">
+              <a:buFont typeface="Arial" panose="020B0604020202020204" pitchFamily="34" charset="0"/>
+              <a:buChar char="•"/>
+            </a:pPr>
+            <a:r>
+              <a:rPr lang="en-US" altLang="zh-CN" b="1" dirty="0">
+                <a:solidFill>
+                  <a:srgbClr val="FF0000"/>
+                </a:solidFill>
+              </a:rPr>
+              <a:t>AF-C</a:t>
+            </a:r>
+            <a:r>
+              <a:rPr lang="en-US" altLang="zh-CN" dirty="0"/>
+              <a:t>: auto focus continuous, </a:t>
+            </a:r>
+            <a:r>
+              <a:rPr lang="zh-CN" altLang="en-US" dirty="0"/>
+              <a:t>内部有</a:t>
+            </a:r>
+            <a:r>
+              <a:rPr lang="en-US" altLang="zh-CN" dirty="0"/>
+              <a:t>servo</a:t>
+            </a:r>
+            <a:r>
+              <a:rPr lang="zh-CN" altLang="en-US" dirty="0"/>
+              <a:t>，可以连续多次自动对焦，用来拍摄移动物体</a:t>
+            </a:r>
+            <a:r>
+              <a:rPr lang="en-US" altLang="zh-CN" dirty="0"/>
+              <a:t>(</a:t>
+            </a:r>
+            <a:r>
+              <a:rPr lang="zh-CN" altLang="en-US" dirty="0"/>
+              <a:t>比如说跑来跑去的狗</a:t>
+            </a:r>
+            <a:r>
+              <a:rPr lang="en-US" altLang="zh-CN" dirty="0"/>
+              <a:t>)</a:t>
+            </a:r>
+          </a:p>
+          <a:p>
+            <a:pPr marL="285750" indent="-285750">
+              <a:buFont typeface="Arial" panose="020B0604020202020204" pitchFamily="34" charset="0"/>
+              <a:buChar char="•"/>
+            </a:pPr>
+            <a:r>
+              <a:rPr lang="en-US" altLang="zh-CN" b="1" dirty="0">
+                <a:solidFill>
+                  <a:srgbClr val="FF0000"/>
+                </a:solidFill>
+              </a:rPr>
+              <a:t>FX</a:t>
+            </a:r>
+            <a:r>
+              <a:rPr lang="en-US" altLang="zh-CN" dirty="0"/>
+              <a:t>: full frame lens, </a:t>
+            </a:r>
+            <a:r>
+              <a:rPr lang="zh-CN" altLang="en-US" dirty="0"/>
+              <a:t>用来装在</a:t>
+            </a:r>
+            <a:r>
+              <a:rPr lang="en-US" altLang="zh-CN" dirty="0"/>
+              <a:t>sensor</a:t>
+            </a:r>
+            <a:r>
+              <a:rPr lang="zh-CN" altLang="en-US" dirty="0"/>
+              <a:t>是</a:t>
+            </a:r>
+            <a:r>
+              <a:rPr lang="en-US" altLang="zh-CN" dirty="0"/>
+              <a:t>36x24 mm</a:t>
+            </a:r>
+            <a:r>
+              <a:rPr lang="zh-CN" altLang="en-US" dirty="0"/>
+              <a:t>的相机上的</a:t>
+            </a:r>
+            <a:r>
+              <a:rPr lang="en-US" altLang="zh-CN" dirty="0"/>
+              <a:t>lens</a:t>
+            </a:r>
+            <a:endParaRPr lang="en-US" altLang="zh-CN" b="1" dirty="0">
+              <a:solidFill>
+                <a:srgbClr val="FF0000"/>
+              </a:solidFill>
+            </a:endParaRPr>
+          </a:p>
+          <a:p>
+            <a:pPr marL="285750" indent="-285750">
+              <a:buFont typeface="Arial" panose="020B0604020202020204" pitchFamily="34" charset="0"/>
+              <a:buChar char="•"/>
+            </a:pPr>
+            <a:r>
+              <a:rPr lang="en-US" altLang="zh-CN" b="1" dirty="0">
+                <a:solidFill>
+                  <a:srgbClr val="FF0000"/>
+                </a:solidFill>
+              </a:rPr>
+              <a:t>DX</a:t>
+            </a:r>
+            <a:r>
+              <a:rPr lang="en-US" altLang="zh-CN" dirty="0"/>
+              <a:t>:</a:t>
+            </a:r>
+            <a:r>
+              <a:rPr lang="zh-CN" altLang="en-US" dirty="0"/>
+              <a:t>用来装在</a:t>
+            </a:r>
+            <a:r>
+              <a:rPr lang="en-US" altLang="zh-CN" dirty="0"/>
+              <a:t>sensor</a:t>
+            </a:r>
+            <a:r>
+              <a:rPr lang="zh-CN" altLang="en-US" dirty="0"/>
+              <a:t>是</a:t>
+            </a:r>
+            <a:r>
+              <a:rPr lang="en-US" altLang="zh-CN" dirty="0"/>
+              <a:t>24x16 mm</a:t>
+            </a:r>
+            <a:r>
+              <a:rPr lang="zh-CN" altLang="en-US" dirty="0"/>
+              <a:t>的相机上的</a:t>
+            </a:r>
+            <a:r>
+              <a:rPr lang="en-US" altLang="zh-CN" dirty="0"/>
+              <a:t>lens</a:t>
+            </a:r>
+          </a:p>
+          <a:p>
+            <a:pPr marL="285750" indent="-285750">
+              <a:buFont typeface="Arial" panose="020B0604020202020204" pitchFamily="34" charset="0"/>
+              <a:buChar char="•"/>
+            </a:pPr>
+            <a:r>
+              <a:rPr lang="en-US" altLang="zh-CN" b="1" dirty="0">
+                <a:solidFill>
+                  <a:srgbClr val="FF0000"/>
+                </a:solidFill>
+              </a:rPr>
+              <a:t>Prime</a:t>
+            </a:r>
+            <a:r>
+              <a:rPr lang="en-US" altLang="zh-CN" dirty="0"/>
+              <a:t> vs. </a:t>
+            </a:r>
+            <a:r>
+              <a:rPr lang="en-US" altLang="zh-CN" b="1" dirty="0">
+                <a:solidFill>
+                  <a:srgbClr val="FF0000"/>
+                </a:solidFill>
+              </a:rPr>
+              <a:t>zoom</a:t>
+            </a:r>
+            <a:r>
+              <a:rPr lang="en-US" altLang="zh-CN" dirty="0"/>
+              <a:t> lens: prime lens</a:t>
+            </a:r>
+            <a:r>
+              <a:rPr lang="zh-CN" altLang="en-US" dirty="0"/>
+              <a:t>是不能</a:t>
+            </a:r>
+            <a:r>
+              <a:rPr lang="en-US" altLang="zh-CN" dirty="0"/>
+              <a:t>zoom</a:t>
+            </a:r>
+            <a:r>
+              <a:rPr lang="zh-CN" altLang="en-US" dirty="0"/>
+              <a:t>的顶焦距</a:t>
+            </a:r>
+            <a:r>
+              <a:rPr lang="en-US" altLang="zh-CN" dirty="0"/>
+              <a:t>lens</a:t>
+            </a:r>
+            <a:r>
+              <a:rPr lang="zh-CN" altLang="en-US" dirty="0"/>
+              <a:t>，</a:t>
+            </a:r>
+            <a:r>
+              <a:rPr lang="en-US" altLang="zh-CN" dirty="0"/>
+              <a:t>zoom lens</a:t>
+            </a:r>
+            <a:r>
+              <a:rPr lang="zh-CN" altLang="en-US" dirty="0"/>
+              <a:t>不解释</a:t>
+            </a:r>
+            <a:endParaRPr lang="en-US" altLang="zh-CN" dirty="0"/>
+          </a:p>
+        </p:txBody>
+      </p:sp>
     </p:spTree>
     <p:extLst>
       <p:ext uri="{BB962C8B-B14F-4D97-AF65-F5344CB8AC3E}">

--- a/[BeAPhotographer].pptx
+++ b/[BeAPhotographer].pptx
@@ -8,6 +8,8 @@
     <p:sldId id="256" r:id="rId2"/>
     <p:sldId id="257" r:id="rId3"/>
     <p:sldId id="258" r:id="rId4"/>
+    <p:sldId id="260" r:id="rId5"/>
+    <p:sldId id="259" r:id="rId6"/>
   </p:sldIdLst>
   <p:sldSz cx="6858000" cy="9144000" type="screen4x3"/>
   <p:notesSz cx="6858000" cy="9144000"/>
@@ -304,7 +306,7 @@
           <a:p>
             <a:fld id="{E90ED720-0104-4369-84BC-D37694168613}" type="datetimeFigureOut">
               <a:rPr kumimoji="1" lang="ja-JP" altLang="en-US" smtClean="0"/>
-              <a:t>2018/9/10</a:t>
+              <a:t>2018/9/14</a:t>
             </a:fld>
             <a:endParaRPr kumimoji="1" lang="ja-JP" altLang="en-US"/>
           </a:p>
@@ -499,7 +501,7 @@
           <a:p>
             <a:fld id="{E90ED720-0104-4369-84BC-D37694168613}" type="datetimeFigureOut">
               <a:rPr kumimoji="1" lang="ja-JP" altLang="en-US" smtClean="0"/>
-              <a:t>2018/9/10</a:t>
+              <a:t>2018/9/14</a:t>
             </a:fld>
             <a:endParaRPr kumimoji="1" lang="ja-JP" altLang="en-US"/>
           </a:p>
@@ -704,7 +706,7 @@
           <a:p>
             <a:fld id="{E90ED720-0104-4369-84BC-D37694168613}" type="datetimeFigureOut">
               <a:rPr kumimoji="1" lang="ja-JP" altLang="en-US" smtClean="0"/>
-              <a:t>2018/9/10</a:t>
+              <a:t>2018/9/14</a:t>
             </a:fld>
             <a:endParaRPr kumimoji="1" lang="ja-JP" altLang="en-US"/>
           </a:p>
@@ -899,7 +901,7 @@
           <a:p>
             <a:fld id="{E90ED720-0104-4369-84BC-D37694168613}" type="datetimeFigureOut">
               <a:rPr kumimoji="1" lang="ja-JP" altLang="en-US" smtClean="0"/>
-              <a:t>2018/9/10</a:t>
+              <a:t>2018/9/14</a:t>
             </a:fld>
             <a:endParaRPr kumimoji="1" lang="ja-JP" altLang="en-US"/>
           </a:p>
@@ -1139,7 +1141,7 @@
           <a:p>
             <a:fld id="{E90ED720-0104-4369-84BC-D37694168613}" type="datetimeFigureOut">
               <a:rPr kumimoji="1" lang="ja-JP" altLang="en-US" smtClean="0"/>
-              <a:t>2018/9/10</a:t>
+              <a:t>2018/9/14</a:t>
             </a:fld>
             <a:endParaRPr kumimoji="1" lang="ja-JP" altLang="en-US"/>
           </a:p>
@@ -1483,7 +1485,7 @@
           <a:p>
             <a:fld id="{E90ED720-0104-4369-84BC-D37694168613}" type="datetimeFigureOut">
               <a:rPr kumimoji="1" lang="ja-JP" altLang="en-US" smtClean="0"/>
-              <a:t>2018/9/10</a:t>
+              <a:t>2018/9/14</a:t>
             </a:fld>
             <a:endParaRPr kumimoji="1" lang="ja-JP" altLang="en-US"/>
           </a:p>
@@ -1961,7 +1963,7 @@
           <a:p>
             <a:fld id="{E90ED720-0104-4369-84BC-D37694168613}" type="datetimeFigureOut">
               <a:rPr kumimoji="1" lang="ja-JP" altLang="en-US" smtClean="0"/>
-              <a:t>2018/9/10</a:t>
+              <a:t>2018/9/14</a:t>
             </a:fld>
             <a:endParaRPr kumimoji="1" lang="ja-JP" altLang="en-US"/>
           </a:p>
@@ -2073,7 +2075,7 @@
           <a:p>
             <a:fld id="{E90ED720-0104-4369-84BC-D37694168613}" type="datetimeFigureOut">
               <a:rPr kumimoji="1" lang="ja-JP" altLang="en-US" smtClean="0"/>
-              <a:t>2018/9/10</a:t>
+              <a:t>2018/9/14</a:t>
             </a:fld>
             <a:endParaRPr kumimoji="1" lang="ja-JP" altLang="en-US"/>
           </a:p>
@@ -2163,7 +2165,7 @@
           <a:p>
             <a:fld id="{E90ED720-0104-4369-84BC-D37694168613}" type="datetimeFigureOut">
               <a:rPr kumimoji="1" lang="ja-JP" altLang="en-US" smtClean="0"/>
-              <a:t>2018/9/10</a:t>
+              <a:t>2018/9/14</a:t>
             </a:fld>
             <a:endParaRPr kumimoji="1" lang="ja-JP" altLang="en-US"/>
           </a:p>
@@ -2465,7 +2467,7 @@
           <a:p>
             <a:fld id="{E90ED720-0104-4369-84BC-D37694168613}" type="datetimeFigureOut">
               <a:rPr kumimoji="1" lang="ja-JP" altLang="en-US" smtClean="0"/>
-              <a:t>2018/9/10</a:t>
+              <a:t>2018/9/14</a:t>
             </a:fld>
             <a:endParaRPr kumimoji="1" lang="ja-JP" altLang="en-US"/>
           </a:p>
@@ -2712,7 +2714,7 @@
           <a:p>
             <a:fld id="{E90ED720-0104-4369-84BC-D37694168613}" type="datetimeFigureOut">
               <a:rPr kumimoji="1" lang="ja-JP" altLang="en-US" smtClean="0"/>
-              <a:t>2018/9/10</a:t>
+              <a:t>2018/9/14</a:t>
             </a:fld>
             <a:endParaRPr kumimoji="1" lang="ja-JP" altLang="en-US"/>
           </a:p>
@@ -2950,7 +2952,7 @@
           <a:p>
             <a:fld id="{E90ED720-0104-4369-84BC-D37694168613}" type="datetimeFigureOut">
               <a:rPr kumimoji="1" lang="ja-JP" altLang="en-US" smtClean="0"/>
-              <a:t>2018/9/10</a:t>
+              <a:t>2018/9/14</a:t>
             </a:fld>
             <a:endParaRPr kumimoji="1" lang="ja-JP" altLang="en-US"/>
           </a:p>
@@ -4273,6 +4275,586 @@
     <p:extLst>
       <p:ext uri="{BB962C8B-B14F-4D97-AF65-F5344CB8AC3E}">
         <p14:creationId xmlns:p14="http://schemas.microsoft.com/office/powerpoint/2010/main" val="1332440179"/>
+      </p:ext>
+    </p:extLst>
+  </p:cSld>
+  <p:clrMapOvr>
+    <a:masterClrMapping/>
+  </p:clrMapOvr>
+</p:sld>
+</file>
+
+<file path=ppt/slides/slide4.xml><?xml version="1.0" encoding="utf-8"?>
+<p:sld xmlns:a="http://schemas.openxmlformats.org/drawingml/2006/main" xmlns:r="http://schemas.openxmlformats.org/officeDocument/2006/relationships" xmlns:p="http://schemas.openxmlformats.org/presentationml/2006/main">
+  <p:cSld>
+    <p:spTree>
+      <p:nvGrpSpPr>
+        <p:cNvPr id="1" name=""/>
+        <p:cNvGrpSpPr/>
+        <p:nvPr/>
+      </p:nvGrpSpPr>
+      <p:grpSpPr>
+        <a:xfrm>
+          <a:off x="0" y="0"/>
+          <a:ext cx="0" cy="0"/>
+          <a:chOff x="0" y="0"/>
+          <a:chExt cx="0" cy="0"/>
+        </a:xfrm>
+      </p:grpSpPr>
+      <p:sp>
+        <p:nvSpPr>
+          <p:cNvPr id="2" name="TextBox 1">
+            <a:extLst>
+              <a:ext uri="{FF2B5EF4-FFF2-40B4-BE49-F238E27FC236}">
+                <a16:creationId xmlns:a16="http://schemas.microsoft.com/office/drawing/2014/main" id="{FC600AF6-2093-C746-A9F6-AEB370CC69D0}"/>
+              </a:ext>
+            </a:extLst>
+          </p:cNvPr>
+          <p:cNvSpPr txBox="1"/>
+          <p:nvPr/>
+        </p:nvSpPr>
+        <p:spPr>
+          <a:xfrm>
+            <a:off x="0" y="20486"/>
+            <a:ext cx="6858000" cy="4247317"/>
+          </a:xfrm>
+          <a:prstGeom prst="rect">
+            <a:avLst/>
+          </a:prstGeom>
+          <a:noFill/>
+        </p:spPr>
+        <p:txBody>
+          <a:bodyPr wrap="square" rtlCol="0">
+            <a:spAutoFit/>
+          </a:bodyPr>
+          <a:lstStyle/>
+          <a:p>
+            <a:r>
+              <a:rPr lang="en-US" b="1" dirty="0">
+                <a:solidFill>
+                  <a:srgbClr val="FF0000"/>
+                </a:solidFill>
+              </a:rPr>
+              <a:t>Exposure meter</a:t>
+            </a:r>
+            <a:r>
+              <a:rPr lang="en-US" dirty="0"/>
+              <a:t>:</a:t>
+            </a:r>
+          </a:p>
+          <a:p>
+            <a:pPr marL="285750" indent="-285750">
+              <a:buFont typeface="Arial" panose="020B0604020202020204" pitchFamily="34" charset="0"/>
+              <a:buChar char="•"/>
+            </a:pPr>
+            <a:r>
+              <a:rPr lang="ja-JP" altLang="en-US"/>
+              <a:t>就是相机上那个从</a:t>
+            </a:r>
+            <a:r>
+              <a:rPr lang="en-US" altLang="zh-CN" dirty="0"/>
+              <a:t>-3</a:t>
+            </a:r>
+            <a:r>
+              <a:rPr lang="ja-JP" altLang="en-US"/>
+              <a:t>到</a:t>
+            </a:r>
+            <a:r>
+              <a:rPr lang="en-US" altLang="zh-CN" dirty="0"/>
+              <a:t>+3</a:t>
+            </a:r>
+            <a:r>
+              <a:rPr lang="ja-JP" altLang="en-US"/>
+              <a:t>的东西</a:t>
+            </a:r>
+            <a:r>
+              <a:rPr lang="zh-CN" altLang="en-US" dirty="0"/>
+              <a:t> </a:t>
+            </a:r>
+            <a:r>
+              <a:rPr lang="en-US" altLang="zh-CN" dirty="0"/>
+              <a:t>(</a:t>
+            </a:r>
+            <a:r>
+              <a:rPr lang="ja-JP" altLang="en-US"/>
+              <a:t>这个叫法是</a:t>
+            </a:r>
+            <a:r>
+              <a:rPr lang="zh-CN" altLang="en-US" dirty="0"/>
+              <a:t> </a:t>
+            </a:r>
+            <a:r>
+              <a:rPr lang="en-US" altLang="zh-CN" dirty="0"/>
+              <a:t>#</a:t>
+            </a:r>
+            <a:r>
+              <a:rPr lang="zh-CN" altLang="en-US" dirty="0"/>
+              <a:t> </a:t>
+            </a:r>
+            <a:r>
+              <a:rPr lang="en-US" altLang="zh-CN" dirty="0"/>
+              <a:t>stops)</a:t>
+            </a:r>
+            <a:endParaRPr lang="en-US" altLang="ja-JP" dirty="0"/>
+          </a:p>
+          <a:p>
+            <a:pPr marL="285750" indent="-285750">
+              <a:buFont typeface="Arial" panose="020B0604020202020204" pitchFamily="34" charset="0"/>
+              <a:buChar char="•"/>
+            </a:pPr>
+            <a:r>
+              <a:rPr lang="ja-JP" altLang="en-US"/>
+              <a:t>我的</a:t>
+            </a:r>
+            <a:r>
+              <a:rPr lang="en-US" altLang="ja-JP" dirty="0"/>
+              <a:t>D</a:t>
+            </a:r>
+            <a:r>
+              <a:rPr lang="en-US" altLang="zh-CN" dirty="0"/>
+              <a:t>850</a:t>
+            </a:r>
+            <a:r>
+              <a:rPr lang="ja-JP" altLang="en-US"/>
+              <a:t>上有</a:t>
+            </a:r>
+            <a:r>
+              <a:rPr lang="en-US" altLang="zh-CN" dirty="0"/>
+              <a:t>2</a:t>
+            </a:r>
+            <a:r>
+              <a:rPr lang="ja-JP" altLang="en-US"/>
+              <a:t>个这种</a:t>
+            </a:r>
+            <a:r>
+              <a:rPr lang="en-US" altLang="ja-JP" dirty="0"/>
+              <a:t>meter</a:t>
+            </a:r>
+            <a:r>
+              <a:rPr lang="zh-CN" altLang="en-US" dirty="0"/>
+              <a:t>，</a:t>
+            </a:r>
+            <a:r>
+              <a:rPr lang="ja-JP" altLang="en-US"/>
+              <a:t>一个是自动的</a:t>
+            </a:r>
+            <a:r>
+              <a:rPr lang="zh-CN" altLang="en-US" dirty="0"/>
+              <a:t>，</a:t>
+            </a:r>
+            <a:r>
+              <a:rPr lang="ja-JP" altLang="en-US"/>
+              <a:t>如果是</a:t>
+            </a:r>
+            <a:r>
+              <a:rPr lang="en-US" altLang="ja-JP" dirty="0"/>
+              <a:t>manual</a:t>
+            </a:r>
+            <a:r>
+              <a:rPr lang="zh-CN" altLang="en-US" dirty="0"/>
+              <a:t> </a:t>
+            </a:r>
+            <a:r>
+              <a:rPr lang="en-US" altLang="zh-CN" dirty="0"/>
+              <a:t>mode</a:t>
+            </a:r>
+            <a:r>
+              <a:rPr lang="zh-CN" altLang="en-US" dirty="0"/>
+              <a:t>，</a:t>
+            </a:r>
+            <a:r>
+              <a:rPr lang="ja-JP" altLang="en-US"/>
+              <a:t>这个</a:t>
+            </a:r>
+            <a:r>
+              <a:rPr lang="en-US" altLang="ja-JP" dirty="0"/>
+              <a:t>meter</a:t>
+            </a:r>
+            <a:r>
+              <a:rPr lang="ja-JP" altLang="en-US"/>
+              <a:t>会根据我的</a:t>
+            </a:r>
+            <a:r>
+              <a:rPr lang="en-US" altLang="ja-JP" dirty="0"/>
+              <a:t>aperture</a:t>
+            </a:r>
+            <a:r>
+              <a:rPr lang="zh-CN" altLang="en-US" dirty="0"/>
+              <a:t>，</a:t>
+            </a:r>
+            <a:r>
+              <a:rPr lang="en-US" altLang="zh-CN" dirty="0"/>
+              <a:t>shutter</a:t>
+            </a:r>
+            <a:r>
+              <a:rPr lang="zh-CN" altLang="en-US" dirty="0"/>
+              <a:t> </a:t>
+            </a:r>
+            <a:r>
+              <a:rPr lang="en-US" altLang="zh-CN" dirty="0"/>
+              <a:t>speed</a:t>
+            </a:r>
+            <a:r>
+              <a:rPr lang="ja-JP" altLang="en-US"/>
+              <a:t>变化而变化</a:t>
+            </a:r>
+            <a:r>
+              <a:rPr lang="zh-CN" altLang="en-US" dirty="0"/>
+              <a:t>，</a:t>
+            </a:r>
+            <a:r>
+              <a:rPr lang="ja-JP" altLang="en-US"/>
+              <a:t>为设参数提供参考</a:t>
+            </a:r>
+            <a:endParaRPr lang="en-US" altLang="ja-JP" dirty="0"/>
+          </a:p>
+          <a:p>
+            <a:pPr marL="285750" indent="-285750">
+              <a:buFont typeface="Arial" panose="020B0604020202020204" pitchFamily="34" charset="0"/>
+              <a:buChar char="•"/>
+            </a:pPr>
+            <a:r>
+              <a:rPr lang="ja-JP" altLang="en-US"/>
+              <a:t>另一个是按一个按钮出现的</a:t>
+            </a:r>
+            <a:r>
+              <a:rPr lang="zh-CN" altLang="en-US" dirty="0"/>
+              <a:t>，</a:t>
+            </a:r>
+            <a:r>
+              <a:rPr lang="ja-JP" altLang="en-US"/>
+              <a:t>这个是</a:t>
+            </a:r>
+            <a:r>
+              <a:rPr lang="en-US" altLang="ja-JP" b="1" dirty="0">
+                <a:solidFill>
+                  <a:srgbClr val="FF0000"/>
+                </a:solidFill>
+              </a:rPr>
+              <a:t>exposure</a:t>
+            </a:r>
+            <a:r>
+              <a:rPr lang="zh-CN" altLang="en-US" b="1" dirty="0">
+                <a:solidFill>
+                  <a:srgbClr val="FF0000"/>
+                </a:solidFill>
+              </a:rPr>
+              <a:t> </a:t>
+            </a:r>
+            <a:r>
+              <a:rPr lang="en-US" altLang="zh-CN" b="1" dirty="0">
+                <a:solidFill>
+                  <a:srgbClr val="FF0000"/>
+                </a:solidFill>
+              </a:rPr>
+              <a:t>compensation</a:t>
+            </a:r>
+          </a:p>
+          <a:p>
+            <a:pPr marL="742950" lvl="1" indent="-285750">
+              <a:buFont typeface="Arial" panose="020B0604020202020204" pitchFamily="34" charset="0"/>
+              <a:buChar char="•"/>
+            </a:pPr>
+            <a:r>
+              <a:rPr lang="ja-JP" altLang="en-US"/>
+              <a:t>在不同的设置</a:t>
+            </a:r>
+            <a:r>
+              <a:rPr lang="en-US" altLang="ja-JP" dirty="0"/>
+              <a:t>(aperture priority, shutter priority, </a:t>
+            </a:r>
+            <a:r>
+              <a:rPr lang="en-US" altLang="ja-JP" dirty="0" err="1"/>
+              <a:t>etc</a:t>
+            </a:r>
+            <a:r>
+              <a:rPr lang="en-US" altLang="ja-JP" dirty="0"/>
+              <a:t>)</a:t>
+            </a:r>
+            <a:r>
+              <a:rPr lang="ja-JP" altLang="en-US"/>
+              <a:t>的情况下</a:t>
+            </a:r>
+            <a:r>
+              <a:rPr lang="zh-CN" altLang="en-US" dirty="0"/>
+              <a:t>，</a:t>
+            </a:r>
+            <a:r>
+              <a:rPr lang="ja-JP" altLang="en-US"/>
+              <a:t>这个</a:t>
+            </a:r>
+            <a:r>
+              <a:rPr lang="en-US" altLang="ja-JP" dirty="0"/>
+              <a:t>compensation</a:t>
+            </a:r>
+            <a:r>
+              <a:rPr lang="ja-JP" altLang="en-US"/>
+              <a:t>会通过自动变更不同的东西</a:t>
+            </a:r>
+            <a:r>
+              <a:rPr lang="en-US" altLang="ja-JP" dirty="0"/>
+              <a:t>(shutter</a:t>
+            </a:r>
+            <a:r>
+              <a:rPr lang="zh-CN" altLang="en-US" dirty="0"/>
+              <a:t> </a:t>
+            </a:r>
+            <a:r>
+              <a:rPr lang="en-US" altLang="zh-CN" dirty="0"/>
+              <a:t>speed, aperture size, etc.</a:t>
+            </a:r>
+            <a:r>
+              <a:rPr lang="en-US" altLang="ja-JP" dirty="0"/>
+              <a:t>)</a:t>
+            </a:r>
+            <a:r>
+              <a:rPr lang="ja-JP" altLang="en-US"/>
+              <a:t>从而变更</a:t>
+            </a:r>
+            <a:r>
+              <a:rPr lang="en-US" altLang="ja-JP" dirty="0"/>
+              <a:t>exposure</a:t>
+            </a:r>
+          </a:p>
+          <a:p>
+            <a:pPr marL="742950" lvl="1" indent="-285750">
+              <a:buFont typeface="Arial" panose="020B0604020202020204" pitchFamily="34" charset="0"/>
+              <a:buChar char="•"/>
+            </a:pPr>
+            <a:r>
+              <a:rPr lang="ja-JP" altLang="en-US"/>
+              <a:t>在</a:t>
+            </a:r>
+            <a:r>
+              <a:rPr lang="en-US" altLang="ja-JP" dirty="0"/>
+              <a:t>manual</a:t>
+            </a:r>
+            <a:r>
+              <a:rPr lang="zh-CN" altLang="en-US" dirty="0"/>
+              <a:t> </a:t>
+            </a:r>
+            <a:r>
+              <a:rPr lang="en-US" altLang="zh-CN" dirty="0"/>
+              <a:t>mode</a:t>
+            </a:r>
+            <a:r>
+              <a:rPr lang="ja-JP" altLang="en-US"/>
+              <a:t>的情况下</a:t>
+            </a:r>
+            <a:r>
+              <a:rPr lang="zh-CN" altLang="en-US" dirty="0"/>
+              <a:t>，</a:t>
+            </a:r>
+            <a:r>
+              <a:rPr lang="ja-JP" altLang="en-US"/>
+              <a:t>用这个</a:t>
+            </a:r>
+            <a:r>
+              <a:rPr lang="en-US" altLang="ja-JP" dirty="0"/>
+              <a:t>compensation</a:t>
+            </a:r>
+            <a:r>
+              <a:rPr lang="ja-JP" altLang="en-US"/>
+              <a:t>毫无意义</a:t>
+            </a:r>
+            <a:endParaRPr lang="en-US" altLang="ja-JP" dirty="0"/>
+          </a:p>
+          <a:p>
+            <a:endParaRPr lang="en-US" altLang="ja-JP" dirty="0"/>
+          </a:p>
+          <a:p>
+            <a:r>
+              <a:rPr lang="en-US" altLang="ja-JP" b="1" dirty="0">
+                <a:solidFill>
+                  <a:srgbClr val="FF0000"/>
+                </a:solidFill>
+              </a:rPr>
+              <a:t>PASM</a:t>
+            </a:r>
+            <a:r>
+              <a:rPr lang="en-US" altLang="ja-JP" dirty="0"/>
+              <a:t>:</a:t>
+            </a:r>
+          </a:p>
+          <a:p>
+            <a:pPr marL="285750" indent="-285750">
+              <a:buFont typeface="Arial" panose="020B0604020202020204" pitchFamily="34" charset="0"/>
+              <a:buChar char="•"/>
+            </a:pPr>
+            <a:r>
+              <a:rPr lang="en-US" altLang="ja-JP" dirty="0"/>
+              <a:t>Program (</a:t>
+            </a:r>
+            <a:r>
+              <a:rPr lang="ja-JP" altLang="en-US"/>
+              <a:t>全自动</a:t>
+            </a:r>
+            <a:r>
+              <a:rPr lang="en-US" altLang="ja-JP" dirty="0"/>
+              <a:t>), aperture priority</a:t>
+            </a:r>
+            <a:r>
+              <a:rPr lang="zh-CN" altLang="en-US" dirty="0"/>
+              <a:t> </a:t>
+            </a:r>
+            <a:r>
+              <a:rPr lang="en-US" altLang="zh-CN" dirty="0"/>
+              <a:t>(</a:t>
+            </a:r>
+            <a:r>
+              <a:rPr lang="ja-JP" altLang="en-US"/>
+              <a:t>当想要特定景深的时候</a:t>
+            </a:r>
+            <a:r>
+              <a:rPr lang="zh-CN" altLang="en-US" dirty="0"/>
+              <a:t>，</a:t>
+            </a:r>
+            <a:r>
+              <a:rPr lang="ja-JP" altLang="en-US"/>
+              <a:t>自己选</a:t>
+            </a:r>
+            <a:r>
+              <a:rPr lang="en-US" altLang="ja-JP" dirty="0"/>
+              <a:t>F</a:t>
+            </a:r>
+            <a:r>
+              <a:rPr lang="ja-JP" altLang="en-US"/>
+              <a:t>值</a:t>
+            </a:r>
+            <a:r>
+              <a:rPr lang="en-US" altLang="zh-CN" dirty="0"/>
+              <a:t>)</a:t>
+            </a:r>
+            <a:r>
+              <a:rPr lang="en-US" altLang="ja-JP" dirty="0"/>
+              <a:t>, shutter priority (</a:t>
+            </a:r>
+            <a:r>
+              <a:rPr lang="ja-JP" altLang="en-US"/>
+              <a:t>当拍摄</a:t>
+            </a:r>
+            <a:r>
+              <a:rPr lang="en-US" altLang="ja-JP" dirty="0"/>
+              <a:t>sports</a:t>
+            </a:r>
+            <a:r>
+              <a:rPr lang="ja-JP" altLang="en-US"/>
+              <a:t>的时候</a:t>
+            </a:r>
+            <a:r>
+              <a:rPr lang="zh-CN" altLang="en-US" dirty="0"/>
+              <a:t>，</a:t>
+            </a:r>
+            <a:r>
+              <a:rPr lang="ja-JP" altLang="en-US"/>
+              <a:t>自己选</a:t>
+            </a:r>
+            <a:r>
+              <a:rPr lang="en-US" altLang="ja-JP" dirty="0"/>
+              <a:t>shutter</a:t>
+            </a:r>
+            <a:r>
+              <a:rPr lang="ja-JP" altLang="en-US"/>
+              <a:t>速度</a:t>
+            </a:r>
+            <a:r>
+              <a:rPr lang="en-US" altLang="ja-JP" dirty="0"/>
+              <a:t>), manual (</a:t>
+            </a:r>
+            <a:r>
+              <a:rPr lang="ja-JP" altLang="en-US"/>
+              <a:t>全手动</a:t>
+            </a:r>
+            <a:r>
+              <a:rPr lang="en-US" altLang="ja-JP" dirty="0"/>
+              <a:t>)</a:t>
+            </a:r>
+          </a:p>
+        </p:txBody>
+      </p:sp>
+    </p:spTree>
+    <p:extLst>
+      <p:ext uri="{BB962C8B-B14F-4D97-AF65-F5344CB8AC3E}">
+        <p14:creationId xmlns:p14="http://schemas.microsoft.com/office/powerpoint/2010/main" val="712565808"/>
+      </p:ext>
+    </p:extLst>
+  </p:cSld>
+  <p:clrMapOvr>
+    <a:masterClrMapping/>
+  </p:clrMapOvr>
+</p:sld>
+</file>
+
+<file path=ppt/slides/slide5.xml><?xml version="1.0" encoding="utf-8"?>
+<p:sld xmlns:a="http://schemas.openxmlformats.org/drawingml/2006/main" xmlns:r="http://schemas.openxmlformats.org/officeDocument/2006/relationships" xmlns:p="http://schemas.openxmlformats.org/presentationml/2006/main">
+  <p:cSld>
+    <p:spTree>
+      <p:nvGrpSpPr>
+        <p:cNvPr id="1" name=""/>
+        <p:cNvGrpSpPr/>
+        <p:nvPr/>
+      </p:nvGrpSpPr>
+      <p:grpSpPr>
+        <a:xfrm>
+          <a:off x="0" y="0"/>
+          <a:ext cx="0" cy="0"/>
+          <a:chOff x="0" y="0"/>
+          <a:chExt cx="0" cy="0"/>
+        </a:xfrm>
+      </p:grpSpPr>
+      <p:sp>
+        <p:nvSpPr>
+          <p:cNvPr id="2" name="TextBox 1">
+            <a:extLst>
+              <a:ext uri="{FF2B5EF4-FFF2-40B4-BE49-F238E27FC236}">
+                <a16:creationId xmlns:a16="http://schemas.microsoft.com/office/drawing/2014/main" id="{8C646040-2727-8241-ABD4-438475CD1A1C}"/>
+              </a:ext>
+            </a:extLst>
+          </p:cNvPr>
+          <p:cNvSpPr txBox="1"/>
+          <p:nvPr/>
+        </p:nvSpPr>
+        <p:spPr>
+          <a:xfrm>
+            <a:off x="0" y="0"/>
+            <a:ext cx="2080698" cy="646331"/>
+          </a:xfrm>
+          <a:prstGeom prst="rect">
+            <a:avLst/>
+          </a:prstGeom>
+          <a:noFill/>
+        </p:spPr>
+        <p:txBody>
+          <a:bodyPr wrap="none" rtlCol="0">
+            <a:spAutoFit/>
+          </a:bodyPr>
+          <a:lstStyle/>
+          <a:p>
+            <a:r>
+              <a:rPr lang="en-US" dirty="0"/>
+              <a:t>Photoshop:</a:t>
+            </a:r>
+          </a:p>
+          <a:p>
+            <a:pPr marL="285750" indent="-285750">
+              <a:buFont typeface="Arial" panose="020B0604020202020204" pitchFamily="34" charset="0"/>
+              <a:buChar char="•"/>
+            </a:pPr>
+            <a:r>
+              <a:rPr lang="en-US" dirty="0"/>
+              <a:t>Burn </a:t>
+            </a:r>
+            <a:r>
+              <a:rPr lang="en-US"/>
+              <a:t>and dodge, </a:t>
+            </a:r>
+          </a:p>
+        </p:txBody>
+      </p:sp>
+    </p:spTree>
+    <p:extLst>
+      <p:ext uri="{BB962C8B-B14F-4D97-AF65-F5344CB8AC3E}">
+        <p14:creationId xmlns:p14="http://schemas.microsoft.com/office/powerpoint/2010/main" val="4202081147"/>
       </p:ext>
     </p:extLst>
   </p:cSld>

--- a/[BeAPhotographer].pptx
+++ b/[BeAPhotographer].pptx
@@ -306,7 +306,7 @@
           <a:p>
             <a:fld id="{E90ED720-0104-4369-84BC-D37694168613}" type="datetimeFigureOut">
               <a:rPr kumimoji="1" lang="ja-JP" altLang="en-US" smtClean="0"/>
-              <a:t>2018/9/14</a:t>
+              <a:t>2018/9/15</a:t>
             </a:fld>
             <a:endParaRPr kumimoji="1" lang="ja-JP" altLang="en-US"/>
           </a:p>
@@ -501,7 +501,7 @@
           <a:p>
             <a:fld id="{E90ED720-0104-4369-84BC-D37694168613}" type="datetimeFigureOut">
               <a:rPr kumimoji="1" lang="ja-JP" altLang="en-US" smtClean="0"/>
-              <a:t>2018/9/14</a:t>
+              <a:t>2018/9/15</a:t>
             </a:fld>
             <a:endParaRPr kumimoji="1" lang="ja-JP" altLang="en-US"/>
           </a:p>
@@ -706,7 +706,7 @@
           <a:p>
             <a:fld id="{E90ED720-0104-4369-84BC-D37694168613}" type="datetimeFigureOut">
               <a:rPr kumimoji="1" lang="ja-JP" altLang="en-US" smtClean="0"/>
-              <a:t>2018/9/14</a:t>
+              <a:t>2018/9/15</a:t>
             </a:fld>
             <a:endParaRPr kumimoji="1" lang="ja-JP" altLang="en-US"/>
           </a:p>
@@ -901,7 +901,7 @@
           <a:p>
             <a:fld id="{E90ED720-0104-4369-84BC-D37694168613}" type="datetimeFigureOut">
               <a:rPr kumimoji="1" lang="ja-JP" altLang="en-US" smtClean="0"/>
-              <a:t>2018/9/14</a:t>
+              <a:t>2018/9/15</a:t>
             </a:fld>
             <a:endParaRPr kumimoji="1" lang="ja-JP" altLang="en-US"/>
           </a:p>
@@ -1141,7 +1141,7 @@
           <a:p>
             <a:fld id="{E90ED720-0104-4369-84BC-D37694168613}" type="datetimeFigureOut">
               <a:rPr kumimoji="1" lang="ja-JP" altLang="en-US" smtClean="0"/>
-              <a:t>2018/9/14</a:t>
+              <a:t>2018/9/15</a:t>
             </a:fld>
             <a:endParaRPr kumimoji="1" lang="ja-JP" altLang="en-US"/>
           </a:p>
@@ -1485,7 +1485,7 @@
           <a:p>
             <a:fld id="{E90ED720-0104-4369-84BC-D37694168613}" type="datetimeFigureOut">
               <a:rPr kumimoji="1" lang="ja-JP" altLang="en-US" smtClean="0"/>
-              <a:t>2018/9/14</a:t>
+              <a:t>2018/9/15</a:t>
             </a:fld>
             <a:endParaRPr kumimoji="1" lang="ja-JP" altLang="en-US"/>
           </a:p>
@@ -1963,7 +1963,7 @@
           <a:p>
             <a:fld id="{E90ED720-0104-4369-84BC-D37694168613}" type="datetimeFigureOut">
               <a:rPr kumimoji="1" lang="ja-JP" altLang="en-US" smtClean="0"/>
-              <a:t>2018/9/14</a:t>
+              <a:t>2018/9/15</a:t>
             </a:fld>
             <a:endParaRPr kumimoji="1" lang="ja-JP" altLang="en-US"/>
           </a:p>
@@ -2075,7 +2075,7 @@
           <a:p>
             <a:fld id="{E90ED720-0104-4369-84BC-D37694168613}" type="datetimeFigureOut">
               <a:rPr kumimoji="1" lang="ja-JP" altLang="en-US" smtClean="0"/>
-              <a:t>2018/9/14</a:t>
+              <a:t>2018/9/15</a:t>
             </a:fld>
             <a:endParaRPr kumimoji="1" lang="ja-JP" altLang="en-US"/>
           </a:p>
@@ -2165,7 +2165,7 @@
           <a:p>
             <a:fld id="{E90ED720-0104-4369-84BC-D37694168613}" type="datetimeFigureOut">
               <a:rPr kumimoji="1" lang="ja-JP" altLang="en-US" smtClean="0"/>
-              <a:t>2018/9/14</a:t>
+              <a:t>2018/9/15</a:t>
             </a:fld>
             <a:endParaRPr kumimoji="1" lang="ja-JP" altLang="en-US"/>
           </a:p>
@@ -2467,7 +2467,7 @@
           <a:p>
             <a:fld id="{E90ED720-0104-4369-84BC-D37694168613}" type="datetimeFigureOut">
               <a:rPr kumimoji="1" lang="ja-JP" altLang="en-US" smtClean="0"/>
-              <a:t>2018/9/14</a:t>
+              <a:t>2018/9/15</a:t>
             </a:fld>
             <a:endParaRPr kumimoji="1" lang="ja-JP" altLang="en-US"/>
           </a:p>
@@ -2714,7 +2714,7 @@
           <a:p>
             <a:fld id="{E90ED720-0104-4369-84BC-D37694168613}" type="datetimeFigureOut">
               <a:rPr kumimoji="1" lang="ja-JP" altLang="en-US" smtClean="0"/>
-              <a:t>2018/9/14</a:t>
+              <a:t>2018/9/15</a:t>
             </a:fld>
             <a:endParaRPr kumimoji="1" lang="ja-JP" altLang="en-US"/>
           </a:p>
@@ -2952,7 +2952,7 @@
           <a:p>
             <a:fld id="{E90ED720-0104-4369-84BC-D37694168613}" type="datetimeFigureOut">
               <a:rPr kumimoji="1" lang="ja-JP" altLang="en-US" smtClean="0"/>
-              <a:t>2018/9/14</a:t>
+              <a:t>2018/9/15</a:t>
             </a:fld>
             <a:endParaRPr kumimoji="1" lang="ja-JP" altLang="en-US"/>
           </a:p>
@@ -4316,7 +4316,7 @@
         <p:spPr>
           <a:xfrm>
             <a:off x="0" y="20486"/>
-            <a:ext cx="6858000" cy="4247317"/>
+            <a:ext cx="6858000" cy="5355312"/>
           </a:xfrm>
           <a:prstGeom prst="rect">
             <a:avLst/>
@@ -4769,6 +4769,130 @@
               <a:rPr lang="en-US" altLang="ja-JP" dirty="0"/>
               <a:t>)</a:t>
             </a:r>
+          </a:p>
+          <a:p>
+            <a:pPr marL="285750" indent="-285750">
+              <a:buFont typeface="Arial" panose="020B0604020202020204" pitchFamily="34" charset="0"/>
+              <a:buChar char="•"/>
+            </a:pPr>
+            <a:endParaRPr lang="en-US" altLang="ja-JP" dirty="0"/>
+          </a:p>
+          <a:p>
+            <a:r>
+              <a:rPr lang="en-US" altLang="ja-JP" b="1" dirty="0">
+                <a:solidFill>
+                  <a:srgbClr val="FF0000"/>
+                </a:solidFill>
+              </a:rPr>
+              <a:t>HDR</a:t>
+            </a:r>
+            <a:r>
+              <a:rPr lang="zh-CN" altLang="en-US" dirty="0"/>
+              <a:t> </a:t>
+            </a:r>
+            <a:r>
+              <a:rPr lang="en-US" altLang="zh-CN" dirty="0"/>
+              <a:t> (High dynamic range)</a:t>
+            </a:r>
+          </a:p>
+          <a:p>
+            <a:pPr marL="285750" indent="-285750">
+              <a:buFont typeface="Arial" panose="020B0604020202020204" pitchFamily="34" charset="0"/>
+              <a:buChar char="•"/>
+            </a:pPr>
+            <a:r>
+              <a:rPr lang="en-US" altLang="ja-JP" dirty="0"/>
+              <a:t>Camera</a:t>
+            </a:r>
+            <a:r>
+              <a:rPr lang="zh-CN" altLang="en-US" dirty="0"/>
+              <a:t> </a:t>
+            </a:r>
+            <a:r>
+              <a:rPr lang="en-US" altLang="zh-CN" dirty="0"/>
+              <a:t>sensor</a:t>
+            </a:r>
+            <a:r>
+              <a:rPr lang="ja-JP" altLang="en-US"/>
+              <a:t>的性能</a:t>
+            </a:r>
+            <a:r>
+              <a:rPr lang="zh-CN" altLang="en-US" dirty="0"/>
+              <a:t>，</a:t>
+            </a:r>
+            <a:r>
+              <a:rPr lang="ja-JP" altLang="en-US"/>
+              <a:t>能否很好的</a:t>
+            </a:r>
+            <a:r>
+              <a:rPr lang="en-US" altLang="ja-JP" dirty="0"/>
+              <a:t>capture</a:t>
+            </a:r>
+            <a:r>
+              <a:rPr lang="zh-CN" altLang="en-US" dirty="0"/>
+              <a:t> </a:t>
+            </a:r>
+            <a:r>
+              <a:rPr lang="en-US" altLang="zh-CN" dirty="0"/>
+              <a:t>color</a:t>
+            </a:r>
+            <a:r>
+              <a:rPr lang="zh-CN" altLang="en-US" dirty="0"/>
+              <a:t> </a:t>
+            </a:r>
+            <a:r>
+              <a:rPr lang="en-US" altLang="zh-CN" dirty="0"/>
+              <a:t>in</a:t>
+            </a:r>
+            <a:r>
+              <a:rPr lang="zh-CN" altLang="en-US" dirty="0"/>
+              <a:t> </a:t>
+            </a:r>
+            <a:r>
+              <a:rPr lang="en-US" altLang="zh-CN" dirty="0"/>
+              <a:t>both</a:t>
+            </a:r>
+            <a:r>
+              <a:rPr lang="zh-CN" altLang="en-US" dirty="0"/>
+              <a:t> </a:t>
+            </a:r>
+            <a:r>
+              <a:rPr lang="en-US" altLang="zh-CN" dirty="0"/>
+              <a:t>high</a:t>
+            </a:r>
+            <a:r>
+              <a:rPr lang="zh-CN" altLang="en-US" dirty="0"/>
+              <a:t> </a:t>
+            </a:r>
+            <a:r>
+              <a:rPr lang="en-US" altLang="zh-CN" dirty="0"/>
+              <a:t>and</a:t>
+            </a:r>
+            <a:r>
+              <a:rPr lang="zh-CN" altLang="en-US" dirty="0"/>
+              <a:t> </a:t>
+            </a:r>
+            <a:r>
+              <a:rPr lang="en-US" altLang="zh-CN" dirty="0"/>
+              <a:t>low</a:t>
+            </a:r>
+            <a:r>
+              <a:rPr lang="zh-CN" altLang="en-US" dirty="0"/>
+              <a:t> </a:t>
+            </a:r>
+            <a:r>
+              <a:rPr lang="en-US" altLang="zh-CN" dirty="0"/>
+              <a:t>light</a:t>
+            </a:r>
+            <a:r>
+              <a:rPr lang="zh-CN" altLang="en-US" dirty="0"/>
+              <a:t> </a:t>
+            </a:r>
+            <a:r>
+              <a:rPr lang="en-US" altLang="zh-CN" dirty="0"/>
+              <a:t>environment</a:t>
+            </a:r>
+            <a:endParaRPr lang="en-US" altLang="ja-JP" dirty="0"/>
           </a:p>
         </p:txBody>
       </p:sp>

--- a/[BeAPhotographer].pptx
+++ b/[BeAPhotographer].pptx
@@ -306,7 +306,7 @@
           <a:p>
             <a:fld id="{E90ED720-0104-4369-84BC-D37694168613}" type="datetimeFigureOut">
               <a:rPr kumimoji="1" lang="ja-JP" altLang="en-US" smtClean="0"/>
-              <a:t>2018/9/15</a:t>
+              <a:t>2018/9/16</a:t>
             </a:fld>
             <a:endParaRPr kumimoji="1" lang="ja-JP" altLang="en-US"/>
           </a:p>
@@ -501,7 +501,7 @@
           <a:p>
             <a:fld id="{E90ED720-0104-4369-84BC-D37694168613}" type="datetimeFigureOut">
               <a:rPr kumimoji="1" lang="ja-JP" altLang="en-US" smtClean="0"/>
-              <a:t>2018/9/15</a:t>
+              <a:t>2018/9/16</a:t>
             </a:fld>
             <a:endParaRPr kumimoji="1" lang="ja-JP" altLang="en-US"/>
           </a:p>
@@ -706,7 +706,7 @@
           <a:p>
             <a:fld id="{E90ED720-0104-4369-84BC-D37694168613}" type="datetimeFigureOut">
               <a:rPr kumimoji="1" lang="ja-JP" altLang="en-US" smtClean="0"/>
-              <a:t>2018/9/15</a:t>
+              <a:t>2018/9/16</a:t>
             </a:fld>
             <a:endParaRPr kumimoji="1" lang="ja-JP" altLang="en-US"/>
           </a:p>
@@ -901,7 +901,7 @@
           <a:p>
             <a:fld id="{E90ED720-0104-4369-84BC-D37694168613}" type="datetimeFigureOut">
               <a:rPr kumimoji="1" lang="ja-JP" altLang="en-US" smtClean="0"/>
-              <a:t>2018/9/15</a:t>
+              <a:t>2018/9/16</a:t>
             </a:fld>
             <a:endParaRPr kumimoji="1" lang="ja-JP" altLang="en-US"/>
           </a:p>
@@ -1141,7 +1141,7 @@
           <a:p>
             <a:fld id="{E90ED720-0104-4369-84BC-D37694168613}" type="datetimeFigureOut">
               <a:rPr kumimoji="1" lang="ja-JP" altLang="en-US" smtClean="0"/>
-              <a:t>2018/9/15</a:t>
+              <a:t>2018/9/16</a:t>
             </a:fld>
             <a:endParaRPr kumimoji="1" lang="ja-JP" altLang="en-US"/>
           </a:p>
@@ -1485,7 +1485,7 @@
           <a:p>
             <a:fld id="{E90ED720-0104-4369-84BC-D37694168613}" type="datetimeFigureOut">
               <a:rPr kumimoji="1" lang="ja-JP" altLang="en-US" smtClean="0"/>
-              <a:t>2018/9/15</a:t>
+              <a:t>2018/9/16</a:t>
             </a:fld>
             <a:endParaRPr kumimoji="1" lang="ja-JP" altLang="en-US"/>
           </a:p>
@@ -1963,7 +1963,7 @@
           <a:p>
             <a:fld id="{E90ED720-0104-4369-84BC-D37694168613}" type="datetimeFigureOut">
               <a:rPr kumimoji="1" lang="ja-JP" altLang="en-US" smtClean="0"/>
-              <a:t>2018/9/15</a:t>
+              <a:t>2018/9/16</a:t>
             </a:fld>
             <a:endParaRPr kumimoji="1" lang="ja-JP" altLang="en-US"/>
           </a:p>
@@ -2075,7 +2075,7 @@
           <a:p>
             <a:fld id="{E90ED720-0104-4369-84BC-D37694168613}" type="datetimeFigureOut">
               <a:rPr kumimoji="1" lang="ja-JP" altLang="en-US" smtClean="0"/>
-              <a:t>2018/9/15</a:t>
+              <a:t>2018/9/16</a:t>
             </a:fld>
             <a:endParaRPr kumimoji="1" lang="ja-JP" altLang="en-US"/>
           </a:p>
@@ -2165,7 +2165,7 @@
           <a:p>
             <a:fld id="{E90ED720-0104-4369-84BC-D37694168613}" type="datetimeFigureOut">
               <a:rPr kumimoji="1" lang="ja-JP" altLang="en-US" smtClean="0"/>
-              <a:t>2018/9/15</a:t>
+              <a:t>2018/9/16</a:t>
             </a:fld>
             <a:endParaRPr kumimoji="1" lang="ja-JP" altLang="en-US"/>
           </a:p>
@@ -2467,7 +2467,7 @@
           <a:p>
             <a:fld id="{E90ED720-0104-4369-84BC-D37694168613}" type="datetimeFigureOut">
               <a:rPr kumimoji="1" lang="ja-JP" altLang="en-US" smtClean="0"/>
-              <a:t>2018/9/15</a:t>
+              <a:t>2018/9/16</a:t>
             </a:fld>
             <a:endParaRPr kumimoji="1" lang="ja-JP" altLang="en-US"/>
           </a:p>
@@ -2714,7 +2714,7 @@
           <a:p>
             <a:fld id="{E90ED720-0104-4369-84BC-D37694168613}" type="datetimeFigureOut">
               <a:rPr kumimoji="1" lang="ja-JP" altLang="en-US" smtClean="0"/>
-              <a:t>2018/9/15</a:t>
+              <a:t>2018/9/16</a:t>
             </a:fld>
             <a:endParaRPr kumimoji="1" lang="ja-JP" altLang="en-US"/>
           </a:p>
@@ -2952,7 +2952,7 @@
           <a:p>
             <a:fld id="{E90ED720-0104-4369-84BC-D37694168613}" type="datetimeFigureOut">
               <a:rPr kumimoji="1" lang="ja-JP" altLang="en-US" smtClean="0"/>
-              <a:t>2018/9/15</a:t>
+              <a:t>2018/9/16</a:t>
             </a:fld>
             <a:endParaRPr kumimoji="1" lang="ja-JP" altLang="en-US"/>
           </a:p>
@@ -3464,20 +3464,12 @@
           </a:p>
           <a:p>
             <a:r>
-              <a:rPr kumimoji="1" lang="en-US" altLang="ja-JP" b="1" dirty="0" err="1">
-                <a:solidFill>
-                  <a:srgbClr val="FF0000"/>
-                </a:solidFill>
-              </a:rPr>
-              <a:t>mirrorless</a:t>
-            </a:r>
-            <a:r>
               <a:rPr kumimoji="1" lang="en-US" altLang="ja-JP" b="1" dirty="0">
                 <a:solidFill>
                   <a:srgbClr val="FF0000"/>
                 </a:solidFill>
               </a:rPr>
-              <a:t> DSLR (</a:t>
+              <a:t>mirrorless DSLR (</a:t>
             </a:r>
             <a:r>
               <a:rPr kumimoji="1" lang="zh-CN" altLang="en-US" b="1" dirty="0">
@@ -3548,7 +3540,7 @@
         <p:spPr>
           <a:xfrm>
             <a:off x="0" y="6588224"/>
-            <a:ext cx="3933055" cy="2031325"/>
+            <a:ext cx="3933055" cy="2308324"/>
           </a:xfrm>
           <a:prstGeom prst="rect">
             <a:avLst/>
@@ -3567,9 +3559,37 @@
             </a:r>
           </a:p>
           <a:p>
+            <a:pPr marL="285750" indent="-285750">
+              <a:buFont typeface="Arial" panose="020B0604020202020204" pitchFamily="34" charset="0"/>
+              <a:buChar char="•"/>
+            </a:pPr>
             <a:r>
               <a:rPr lang="en-US" altLang="ja-JP" dirty="0"/>
-              <a:t>High Dynamic Range (HDR): The HDR technique involves taking multiple shots of the scene with different exposures (photographers call this “bracketing”). </a:t>
+              <a:t>High Dynamic Range (</a:t>
+            </a:r>
+            <a:r>
+              <a:rPr lang="en-US" altLang="ja-JP" b="1" dirty="0">
+                <a:solidFill>
+                  <a:srgbClr val="FF0000"/>
+                </a:solidFill>
+              </a:rPr>
+              <a:t>HDR</a:t>
+            </a:r>
+            <a:r>
+              <a:rPr lang="en-US" altLang="ja-JP" dirty="0"/>
+              <a:t>): The HDR technique involves taking multiple shots of the scene with different exposures (photographers call this “</a:t>
+            </a:r>
+            <a:r>
+              <a:rPr lang="en-US" altLang="ja-JP" b="1" dirty="0">
+                <a:solidFill>
+                  <a:srgbClr val="FF0000"/>
+                </a:solidFill>
+              </a:rPr>
+              <a:t>bracketing</a:t>
+            </a:r>
+            <a:r>
+              <a:rPr lang="en-US" altLang="ja-JP" dirty="0"/>
+              <a:t>”). </a:t>
             </a:r>
             <a:r>
               <a:rPr lang="zh-CN" altLang="en-US" dirty="0"/>
@@ -3599,7 +3619,26 @@
               <a:rPr lang="zh-CN" altLang="en-US" dirty="0"/>
               <a:t>？）</a:t>
             </a:r>
-            <a:endParaRPr kumimoji="1" lang="ja-JP" altLang="en-US" dirty="0"/>
+            <a:endParaRPr lang="en-US" altLang="zh-CN" dirty="0"/>
+          </a:p>
+          <a:p>
+            <a:pPr marL="285750" indent="-285750">
+              <a:buFont typeface="Arial" panose="020B0604020202020204" pitchFamily="34" charset="0"/>
+              <a:buChar char="•"/>
+            </a:pPr>
+            <a:r>
+              <a:rPr lang="zh-CN" altLang="en-US" dirty="0"/>
+              <a:t>可以用</a:t>
+            </a:r>
+            <a:r>
+              <a:rPr lang="en-US" altLang="zh-CN" dirty="0"/>
+              <a:t>lightroom</a:t>
+            </a:r>
+            <a:r>
+              <a:rPr lang="zh-CN" altLang="en-US" dirty="0"/>
+              <a:t>来结合两张照片</a:t>
+            </a:r>
+            <a:endParaRPr lang="en-US" altLang="zh-CN" dirty="0"/>
           </a:p>
         </p:txBody>
       </p:sp>
@@ -3723,6 +3762,151 @@
           </a:p>
         </p:txBody>
       </p:sp>
+      <p:sp>
+        <p:nvSpPr>
+          <p:cNvPr id="7" name="Rectangle 6">
+            <a:extLst>
+              <a:ext uri="{FF2B5EF4-FFF2-40B4-BE49-F238E27FC236}">
+                <a16:creationId xmlns:a16="http://schemas.microsoft.com/office/drawing/2014/main" id="{FA94BB0C-D3E8-4816-9A46-05CB8DAD4507}"/>
+              </a:ext>
+            </a:extLst>
+          </p:cNvPr>
+          <p:cNvSpPr/>
+          <p:nvPr/>
+        </p:nvSpPr>
+        <p:spPr>
+          <a:xfrm>
+            <a:off x="4365104" y="8045878"/>
+            <a:ext cx="3429000" cy="1200329"/>
+          </a:xfrm>
+          <a:prstGeom prst="rect">
+            <a:avLst/>
+          </a:prstGeom>
+        </p:spPr>
+        <p:txBody>
+          <a:bodyPr>
+            <a:spAutoFit/>
+          </a:bodyPr>
+          <a:lstStyle/>
+          <a:p>
+            <a:r>
+              <a:rPr lang="en-US" altLang="ja-JP" b="1" dirty="0">
+                <a:solidFill>
+                  <a:srgbClr val="FF0000"/>
+                </a:solidFill>
+              </a:rPr>
+              <a:t>HDR</a:t>
+            </a:r>
+            <a:r>
+              <a:rPr lang="zh-CN" altLang="en-US" dirty="0"/>
+              <a:t> </a:t>
+            </a:r>
+            <a:r>
+              <a:rPr lang="en-US" altLang="zh-CN" dirty="0"/>
+              <a:t> (High dynamic range)</a:t>
+            </a:r>
+          </a:p>
+          <a:p>
+            <a:pPr marL="285750" indent="-285750">
+              <a:buFont typeface="Arial" panose="020B0604020202020204" pitchFamily="34" charset="0"/>
+              <a:buChar char="•"/>
+            </a:pPr>
+            <a:r>
+              <a:rPr lang="en-US" altLang="ja-JP" dirty="0"/>
+              <a:t>Camera</a:t>
+            </a:r>
+            <a:r>
+              <a:rPr lang="zh-CN" altLang="en-US" dirty="0"/>
+              <a:t> </a:t>
+            </a:r>
+            <a:r>
+              <a:rPr lang="en-US" altLang="zh-CN" dirty="0"/>
+              <a:t>sensor</a:t>
+            </a:r>
+            <a:r>
+              <a:rPr lang="ja-JP" altLang="en-US" dirty="0"/>
+              <a:t>的性能</a:t>
+            </a:r>
+            <a:r>
+              <a:rPr lang="zh-CN" altLang="en-US" dirty="0"/>
+              <a:t>，</a:t>
+            </a:r>
+            <a:r>
+              <a:rPr lang="ja-JP" altLang="en-US" dirty="0"/>
+              <a:t>能否很好的</a:t>
+            </a:r>
+            <a:r>
+              <a:rPr lang="en-US" altLang="ja-JP" dirty="0"/>
+              <a:t>capture</a:t>
+            </a:r>
+            <a:r>
+              <a:rPr lang="zh-CN" altLang="en-US" dirty="0"/>
+              <a:t> </a:t>
+            </a:r>
+            <a:r>
+              <a:rPr lang="en-US" altLang="zh-CN" dirty="0"/>
+              <a:t>color</a:t>
+            </a:r>
+            <a:r>
+              <a:rPr lang="zh-CN" altLang="en-US" dirty="0"/>
+              <a:t> </a:t>
+            </a:r>
+            <a:r>
+              <a:rPr lang="en-US" altLang="zh-CN" dirty="0"/>
+              <a:t>in</a:t>
+            </a:r>
+            <a:r>
+              <a:rPr lang="zh-CN" altLang="en-US" dirty="0"/>
+              <a:t> </a:t>
+            </a:r>
+            <a:r>
+              <a:rPr lang="en-US" altLang="zh-CN" dirty="0"/>
+              <a:t>both</a:t>
+            </a:r>
+            <a:r>
+              <a:rPr lang="zh-CN" altLang="en-US" dirty="0"/>
+              <a:t> </a:t>
+            </a:r>
+            <a:r>
+              <a:rPr lang="en-US" altLang="zh-CN" dirty="0"/>
+              <a:t>high</a:t>
+            </a:r>
+            <a:r>
+              <a:rPr lang="zh-CN" altLang="en-US" dirty="0"/>
+              <a:t> </a:t>
+            </a:r>
+            <a:r>
+              <a:rPr lang="en-US" altLang="zh-CN" dirty="0"/>
+              <a:t>and</a:t>
+            </a:r>
+            <a:r>
+              <a:rPr lang="zh-CN" altLang="en-US" dirty="0"/>
+              <a:t> </a:t>
+            </a:r>
+            <a:r>
+              <a:rPr lang="en-US" altLang="zh-CN" dirty="0"/>
+              <a:t>low</a:t>
+            </a:r>
+            <a:r>
+              <a:rPr lang="zh-CN" altLang="en-US" dirty="0"/>
+              <a:t> </a:t>
+            </a:r>
+            <a:r>
+              <a:rPr lang="en-US" altLang="zh-CN" dirty="0"/>
+              <a:t>light</a:t>
+            </a:r>
+            <a:r>
+              <a:rPr lang="zh-CN" altLang="en-US" dirty="0"/>
+              <a:t> </a:t>
+            </a:r>
+            <a:r>
+              <a:rPr lang="en-US" altLang="zh-CN" dirty="0"/>
+              <a:t>environment</a:t>
+            </a:r>
+            <a:endParaRPr lang="en-US" altLang="ja-JP" dirty="0"/>
+          </a:p>
+        </p:txBody>
+      </p:sp>
     </p:spTree>
     <p:extLst>
       <p:ext uri="{BB962C8B-B14F-4D97-AF65-F5344CB8AC3E}">
@@ -4316,7 +4500,7 @@
         <p:spPr>
           <a:xfrm>
             <a:off x="0" y="20486"/>
-            <a:ext cx="6858000" cy="5355312"/>
+            <a:ext cx="6858000" cy="7294305"/>
           </a:xfrm>
           <a:prstGeom prst="rect">
             <a:avLst/>
@@ -4348,7 +4532,7 @@
               <a:buChar char="•"/>
             </a:pPr>
             <a:r>
-              <a:rPr lang="ja-JP" altLang="en-US"/>
+              <a:rPr lang="ja-JP" altLang="en-US" dirty="0"/>
               <a:t>就是相机上那个从</a:t>
             </a:r>
             <a:r>
@@ -4356,7 +4540,7 @@
               <a:t>-3</a:t>
             </a:r>
             <a:r>
-              <a:rPr lang="ja-JP" altLang="en-US"/>
+              <a:rPr lang="ja-JP" altLang="en-US" dirty="0"/>
               <a:t>到</a:t>
             </a:r>
             <a:r>
@@ -4364,7 +4548,7 @@
               <a:t>+3</a:t>
             </a:r>
             <a:r>
-              <a:rPr lang="ja-JP" altLang="en-US"/>
+              <a:rPr lang="ja-JP" altLang="en-US" dirty="0"/>
               <a:t>的东西</a:t>
             </a:r>
             <a:r>
@@ -4376,7 +4560,7 @@
               <a:t>(</a:t>
             </a:r>
             <a:r>
-              <a:rPr lang="ja-JP" altLang="en-US"/>
+              <a:rPr lang="ja-JP" altLang="en-US" dirty="0"/>
               <a:t>这个叫法是</a:t>
             </a:r>
             <a:r>
@@ -4393,9 +4577,60 @@
             </a:r>
             <a:r>
               <a:rPr lang="en-US" altLang="zh-CN" dirty="0"/>
-              <a:t>stops)</a:t>
-            </a:r>
-            <a:endParaRPr lang="en-US" altLang="ja-JP" dirty="0"/>
+              <a:t>stops, </a:t>
+            </a:r>
+            <a:r>
+              <a:rPr lang="zh-CN" altLang="en-US" dirty="0"/>
+              <a:t>见有图</a:t>
+            </a:r>
+            <a:r>
+              <a:rPr lang="en-US" altLang="zh-CN" dirty="0"/>
+              <a:t>)</a:t>
+            </a:r>
+          </a:p>
+          <a:p>
+            <a:pPr marL="742950" lvl="1" indent="-285750">
+              <a:buFont typeface="Arial" panose="020B0604020202020204" pitchFamily="34" charset="0"/>
+              <a:buChar char="•"/>
+            </a:pPr>
+            <a:r>
+              <a:rPr lang="en-US" altLang="zh-CN" dirty="0"/>
+              <a:t>Stop</a:t>
+            </a:r>
+            <a:r>
+              <a:rPr lang="zh-CN" altLang="en-US" dirty="0"/>
+              <a:t>的含义</a:t>
+            </a:r>
+            <a:r>
+              <a:rPr lang="en-US" altLang="zh-CN" dirty="0"/>
+              <a:t>: </a:t>
+            </a:r>
+            <a:r>
+              <a:rPr lang="en-US" altLang="zh-CN" b="1" dirty="0"/>
+              <a:t>increase by 1 stop </a:t>
+            </a:r>
+            <a:r>
+              <a:rPr lang="en-US" altLang="zh-CN" dirty="0"/>
+              <a:t>= 2x the light into camera; </a:t>
+            </a:r>
+            <a:r>
+              <a:rPr lang="en-US" altLang="zh-CN" b="1" dirty="0"/>
+              <a:t>decrease by 1 stop </a:t>
+            </a:r>
+            <a:r>
+              <a:rPr lang="en-US" altLang="zh-CN" dirty="0"/>
+              <a:t>= ½ the light into camera</a:t>
+            </a:r>
+          </a:p>
+          <a:p>
+            <a:pPr marL="742950" lvl="1" indent="-285750">
+              <a:buFont typeface="Arial" panose="020B0604020202020204" pitchFamily="34" charset="0"/>
+              <a:buChar char="•"/>
+            </a:pPr>
+            <a:r>
+              <a:rPr lang="en-US" altLang="ja-JP" dirty="0"/>
+              <a:t>E.g., F/2 to F/2.8 = decease 1 stop (-1 stop); shutter 1/30 to 1/15 = +1 stop; ISO 400 to 200 = -1 stop</a:t>
+            </a:r>
           </a:p>
           <a:p>
             <a:pPr marL="285750" indent="-285750">
@@ -4403,7 +4638,7 @@
               <a:buChar char="•"/>
             </a:pPr>
             <a:r>
-              <a:rPr lang="ja-JP" altLang="en-US"/>
+              <a:rPr lang="ja-JP" altLang="en-US" dirty="0"/>
               <a:t>我的</a:t>
             </a:r>
             <a:r>
@@ -4415,7 +4650,7 @@
               <a:t>850</a:t>
             </a:r>
             <a:r>
-              <a:rPr lang="ja-JP" altLang="en-US"/>
+              <a:rPr lang="ja-JP" altLang="en-US" dirty="0"/>
               <a:t>上有</a:t>
             </a:r>
             <a:r>
@@ -4423,7 +4658,7 @@
               <a:t>2</a:t>
             </a:r>
             <a:r>
-              <a:rPr lang="ja-JP" altLang="en-US"/>
+              <a:rPr lang="ja-JP" altLang="en-US" dirty="0"/>
               <a:t>个这种</a:t>
             </a:r>
             <a:r>
@@ -4435,7 +4670,7 @@
               <a:t>，</a:t>
             </a:r>
             <a:r>
-              <a:rPr lang="ja-JP" altLang="en-US"/>
+              <a:rPr lang="ja-JP" altLang="en-US" dirty="0"/>
               <a:t>一个是自动的</a:t>
             </a:r>
             <a:r>
@@ -4443,7 +4678,7 @@
               <a:t>，</a:t>
             </a:r>
             <a:r>
-              <a:rPr lang="ja-JP" altLang="en-US"/>
+              <a:rPr lang="ja-JP" altLang="en-US" dirty="0"/>
               <a:t>如果是</a:t>
             </a:r>
             <a:r>
@@ -4463,7 +4698,7 @@
               <a:t>，</a:t>
             </a:r>
             <a:r>
-              <a:rPr lang="ja-JP" altLang="en-US"/>
+              <a:rPr lang="ja-JP" altLang="en-US" dirty="0"/>
               <a:t>这个</a:t>
             </a:r>
             <a:r>
@@ -4471,7 +4706,7 @@
               <a:t>meter</a:t>
             </a:r>
             <a:r>
-              <a:rPr lang="ja-JP" altLang="en-US"/>
+              <a:rPr lang="ja-JP" altLang="en-US" dirty="0"/>
               <a:t>会根据我的</a:t>
             </a:r>
             <a:r>
@@ -4495,7 +4730,7 @@
               <a:t>speed</a:t>
             </a:r>
             <a:r>
-              <a:rPr lang="ja-JP" altLang="en-US"/>
+              <a:rPr lang="ja-JP" altLang="en-US" dirty="0"/>
               <a:t>变化而变化</a:t>
             </a:r>
             <a:r>
@@ -4503,7 +4738,7 @@
               <a:t>，</a:t>
             </a:r>
             <a:r>
-              <a:rPr lang="ja-JP" altLang="en-US"/>
+              <a:rPr lang="ja-JP" altLang="en-US" dirty="0"/>
               <a:t>为设参数提供参考</a:t>
             </a:r>
             <a:endParaRPr lang="en-US" altLang="ja-JP" dirty="0"/>
@@ -4514,7 +4749,7 @@
               <a:buChar char="•"/>
             </a:pPr>
             <a:r>
-              <a:rPr lang="ja-JP" altLang="en-US"/>
+              <a:rPr lang="ja-JP" altLang="en-US" dirty="0"/>
               <a:t>另一个是按一个按钮出现的</a:t>
             </a:r>
             <a:r>
@@ -4522,7 +4757,7 @@
               <a:t>，</a:t>
             </a:r>
             <a:r>
-              <a:rPr lang="ja-JP" altLang="en-US"/>
+              <a:rPr lang="ja-JP" altLang="en-US" dirty="0"/>
               <a:t>这个是</a:t>
             </a:r>
             <a:r>
@@ -4556,7 +4791,7 @@
               <a:buChar char="•"/>
             </a:pPr>
             <a:r>
-              <a:rPr lang="ja-JP" altLang="en-US"/>
+              <a:rPr lang="ja-JP" altLang="en-US" dirty="0"/>
               <a:t>在不同的设置</a:t>
             </a:r>
             <a:r>
@@ -4572,7 +4807,7 @@
               <a:t>)</a:t>
             </a:r>
             <a:r>
-              <a:rPr lang="ja-JP" altLang="en-US"/>
+              <a:rPr lang="ja-JP" altLang="en-US" dirty="0"/>
               <a:t>的情况下</a:t>
             </a:r>
             <a:r>
@@ -4580,7 +4815,7 @@
               <a:t>，</a:t>
             </a:r>
             <a:r>
-              <a:rPr lang="ja-JP" altLang="en-US"/>
+              <a:rPr lang="ja-JP" altLang="en-US" dirty="0"/>
               <a:t>这个</a:t>
             </a:r>
             <a:r>
@@ -4588,7 +4823,7 @@
               <a:t>compensation</a:t>
             </a:r>
             <a:r>
-              <a:rPr lang="ja-JP" altLang="en-US"/>
+              <a:rPr lang="ja-JP" altLang="en-US" dirty="0"/>
               <a:t>会通过自动变更不同的东西</a:t>
             </a:r>
             <a:r>
@@ -4608,7 +4843,7 @@
               <a:t>)</a:t>
             </a:r>
             <a:r>
-              <a:rPr lang="ja-JP" altLang="en-US"/>
+              <a:rPr lang="ja-JP" altLang="en-US" dirty="0"/>
               <a:t>从而变更</a:t>
             </a:r>
             <a:r>
@@ -4622,7 +4857,7 @@
               <a:buChar char="•"/>
             </a:pPr>
             <a:r>
-              <a:rPr lang="ja-JP" altLang="en-US"/>
+              <a:rPr lang="ja-JP" altLang="en-US" dirty="0"/>
               <a:t>在</a:t>
             </a:r>
             <a:r>
@@ -4638,7 +4873,7 @@
               <a:t>mode</a:t>
             </a:r>
             <a:r>
-              <a:rPr lang="ja-JP" altLang="en-US"/>
+              <a:rPr lang="ja-JP" altLang="en-US" dirty="0"/>
               <a:t>的情况下</a:t>
             </a:r>
             <a:r>
@@ -4646,7 +4881,7 @@
               <a:t>，</a:t>
             </a:r>
             <a:r>
-              <a:rPr lang="ja-JP" altLang="en-US"/>
+              <a:rPr lang="ja-JP" altLang="en-US" dirty="0"/>
               <a:t>用这个</a:t>
             </a:r>
             <a:r>
@@ -4654,7 +4889,7 @@
               <a:t>compensation</a:t>
             </a:r>
             <a:r>
-              <a:rPr lang="ja-JP" altLang="en-US"/>
+              <a:rPr lang="ja-JP" altLang="en-US" dirty="0"/>
               <a:t>毫无意义</a:t>
             </a:r>
             <a:endParaRPr lang="en-US" altLang="ja-JP" dirty="0"/>
@@ -4686,7 +4921,7 @@
               <a:t>Program (</a:t>
             </a:r>
             <a:r>
-              <a:rPr lang="ja-JP" altLang="en-US"/>
+              <a:rPr lang="ja-JP" altLang="en-US" dirty="0"/>
               <a:t>全自动</a:t>
             </a:r>
             <a:r>
@@ -4702,7 +4937,7 @@
               <a:t>(</a:t>
             </a:r>
             <a:r>
-              <a:rPr lang="ja-JP" altLang="en-US"/>
+              <a:rPr lang="ja-JP" altLang="en-US" dirty="0"/>
               <a:t>当想要特定景深的时候</a:t>
             </a:r>
             <a:r>
@@ -4710,7 +4945,7 @@
               <a:t>，</a:t>
             </a:r>
             <a:r>
-              <a:rPr lang="ja-JP" altLang="en-US"/>
+              <a:rPr lang="ja-JP" altLang="en-US" dirty="0"/>
               <a:t>自己选</a:t>
             </a:r>
             <a:r>
@@ -4718,7 +4953,7 @@
               <a:t>F</a:t>
             </a:r>
             <a:r>
-              <a:rPr lang="ja-JP" altLang="en-US"/>
+              <a:rPr lang="ja-JP" altLang="en-US" dirty="0"/>
               <a:t>值</a:t>
             </a:r>
             <a:r>
@@ -4730,7 +4965,7 @@
               <a:t>, shutter priority (</a:t>
             </a:r>
             <a:r>
-              <a:rPr lang="ja-JP" altLang="en-US"/>
+              <a:rPr lang="ja-JP" altLang="en-US" dirty="0"/>
               <a:t>当拍摄</a:t>
             </a:r>
             <a:r>
@@ -4738,7 +4973,7 @@
               <a:t>sports</a:t>
             </a:r>
             <a:r>
-              <a:rPr lang="ja-JP" altLang="en-US"/>
+              <a:rPr lang="ja-JP" altLang="en-US" dirty="0"/>
               <a:t>的时候</a:t>
             </a:r>
             <a:r>
@@ -4746,7 +4981,7 @@
               <a:t>，</a:t>
             </a:r>
             <a:r>
-              <a:rPr lang="ja-JP" altLang="en-US"/>
+              <a:rPr lang="ja-JP" altLang="en-US" dirty="0"/>
               <a:t>自己选</a:t>
             </a:r>
             <a:r>
@@ -4754,7 +4989,7 @@
               <a:t>shutter</a:t>
             </a:r>
             <a:r>
-              <a:rPr lang="ja-JP" altLang="en-US"/>
+              <a:rPr lang="ja-JP" altLang="en-US" dirty="0"/>
               <a:t>速度</a:t>
             </a:r>
             <a:r>
@@ -4762,7 +4997,7 @@
               <a:t>), manual (</a:t>
             </a:r>
             <a:r>
-              <a:rPr lang="ja-JP" altLang="en-US"/>
+              <a:rPr lang="ja-JP" altLang="en-US" dirty="0"/>
               <a:t>全手动</a:t>
             </a:r>
             <a:r>
@@ -4784,15 +5019,11 @@
                   <a:srgbClr val="FF0000"/>
                 </a:solidFill>
               </a:rPr>
-              <a:t>HDR</a:t>
-            </a:r>
-            <a:r>
-              <a:rPr lang="zh-CN" altLang="en-US" dirty="0"/>
-              <a:t> </a:t>
-            </a:r>
-            <a:r>
-              <a:rPr lang="en-US" altLang="zh-CN" dirty="0"/>
-              <a:t> (High dynamic range)</a:t>
+              <a:t>Histogram</a:t>
+            </a:r>
+            <a:r>
+              <a:rPr lang="en-US" altLang="ja-JP" dirty="0"/>
+              <a:t>:</a:t>
             </a:r>
           </a:p>
           <a:p>
@@ -4801,8 +5032,49 @@
               <a:buChar char="•"/>
             </a:pPr>
             <a:r>
+              <a:rPr lang="zh-CN" altLang="en-US" dirty="0"/>
+              <a:t>就是右边的图；有些图也会将</a:t>
+            </a:r>
+            <a:r>
+              <a:rPr lang="en-US" altLang="zh-CN" dirty="0"/>
+              <a:t>histogram</a:t>
+            </a:r>
+            <a:r>
+              <a:rPr lang="zh-CN" altLang="en-US" dirty="0"/>
+              <a:t>分成</a:t>
+            </a:r>
+            <a:r>
+              <a:rPr lang="en-US" altLang="zh-CN" dirty="0"/>
+              <a:t>3</a:t>
+            </a:r>
+            <a:r>
+              <a:rPr lang="zh-CN" altLang="en-US" dirty="0"/>
+              <a:t>原色的表示方法</a:t>
+            </a:r>
+            <a:endParaRPr lang="en-US" altLang="ja-JP" dirty="0"/>
+          </a:p>
+          <a:p>
+            <a:pPr marL="285750" indent="-285750">
+              <a:buFont typeface="Arial" panose="020B0604020202020204" pitchFamily="34" charset="0"/>
+              <a:buChar char="•"/>
+            </a:pPr>
+            <a:r>
               <a:rPr lang="en-US" altLang="ja-JP" dirty="0"/>
-              <a:t>Camera</a:t>
+              <a:t>Is a graph that shows the </a:t>
+            </a:r>
+            <a:r>
+              <a:rPr lang="en-US" altLang="ja-JP" b="1" dirty="0"/>
+              <a:t>exposure of every part of the frame</a:t>
+            </a:r>
+          </a:p>
+          <a:p>
+            <a:pPr marL="285750" indent="-285750">
+              <a:buFont typeface="Arial" panose="020B0604020202020204" pitchFamily="34" charset="0"/>
+              <a:buChar char="•"/>
+            </a:pPr>
+            <a:r>
+              <a:rPr lang="en-US" altLang="ja-JP" dirty="0"/>
+              <a:t>A</a:t>
             </a:r>
             <a:r>
               <a:rPr lang="zh-CN" altLang="en-US" dirty="0"/>
@@ -4810,92 +5082,135 @@
             </a:r>
             <a:r>
               <a:rPr lang="en-US" altLang="zh-CN" dirty="0"/>
-              <a:t>sensor</a:t>
-            </a:r>
-            <a:r>
-              <a:rPr lang="ja-JP" altLang="en-US"/>
-              <a:t>的性能</a:t>
-            </a:r>
-            <a:r>
-              <a:rPr lang="zh-CN" altLang="en-US" dirty="0"/>
-              <a:t>，</a:t>
-            </a:r>
-            <a:r>
-              <a:rPr lang="ja-JP" altLang="en-US"/>
-              <a:t>能否很好的</a:t>
-            </a:r>
+              <a:t>good</a:t>
+            </a:r>
+            <a:r>
+              <a:rPr lang="zh-CN" altLang="en-US" dirty="0"/>
+              <a:t> </a:t>
+            </a:r>
+            <a:r>
+              <a:rPr lang="en-US" altLang="zh-CN" dirty="0"/>
+              <a:t>photo</a:t>
+            </a:r>
+            <a:r>
+              <a:rPr lang="zh-CN" altLang="en-US" dirty="0"/>
+              <a:t> </a:t>
+            </a:r>
+            <a:r>
+              <a:rPr lang="en-US" altLang="zh-CN" dirty="0"/>
+              <a:t>shall have a histogram of </a:t>
+            </a:r>
+            <a:r>
+              <a:rPr lang="zh-CN" altLang="en-US" dirty="0"/>
+              <a:t>中间</a:t>
+            </a:r>
+            <a:r>
+              <a:rPr lang="en-US" altLang="zh-CN" dirty="0"/>
+              <a:t>(</a:t>
+            </a:r>
+            <a:r>
+              <a:rPr lang="zh-CN" altLang="en-US" dirty="0"/>
+              <a:t>红框部分</a:t>
+            </a:r>
+            <a:r>
+              <a:rPr lang="en-US" altLang="zh-CN" dirty="0"/>
+              <a:t>)</a:t>
+            </a:r>
+            <a:r>
+              <a:rPr lang="zh-CN" altLang="en-US" dirty="0"/>
+              <a:t>高两边低 </a:t>
+            </a:r>
+            <a:r>
+              <a:rPr lang="en-US" altLang="zh-CN" dirty="0"/>
+              <a:t>shape</a:t>
+            </a:r>
+            <a:endParaRPr lang="en-US" altLang="ja-JP" dirty="0"/>
+          </a:p>
+          <a:p>
+            <a:pPr marL="285750" indent="-285750">
+              <a:buFont typeface="Arial" panose="020B0604020202020204" pitchFamily="34" charset="0"/>
+              <a:buChar char="•"/>
+            </a:pPr>
             <a:r>
               <a:rPr lang="en-US" altLang="ja-JP" dirty="0"/>
-              <a:t>capture</a:t>
-            </a:r>
-            <a:r>
-              <a:rPr lang="zh-CN" altLang="en-US" dirty="0"/>
-              <a:t> </a:t>
-            </a:r>
-            <a:r>
-              <a:rPr lang="en-US" altLang="zh-CN" dirty="0"/>
-              <a:t>color</a:t>
-            </a:r>
-            <a:r>
-              <a:rPr lang="zh-CN" altLang="en-US" dirty="0"/>
-              <a:t> </a:t>
-            </a:r>
-            <a:r>
-              <a:rPr lang="en-US" altLang="zh-CN" dirty="0"/>
-              <a:t>in</a:t>
-            </a:r>
-            <a:r>
-              <a:rPr lang="zh-CN" altLang="en-US" dirty="0"/>
-              <a:t> </a:t>
-            </a:r>
-            <a:r>
-              <a:rPr lang="en-US" altLang="zh-CN" dirty="0"/>
-              <a:t>both</a:t>
-            </a:r>
-            <a:r>
-              <a:rPr lang="zh-CN" altLang="en-US" dirty="0"/>
-              <a:t> </a:t>
-            </a:r>
-            <a:r>
-              <a:rPr lang="en-US" altLang="zh-CN" dirty="0"/>
-              <a:t>high</a:t>
-            </a:r>
-            <a:r>
-              <a:rPr lang="zh-CN" altLang="en-US" dirty="0"/>
-              <a:t> </a:t>
-            </a:r>
-            <a:r>
-              <a:rPr lang="en-US" altLang="zh-CN" dirty="0"/>
-              <a:t>and</a:t>
-            </a:r>
-            <a:r>
-              <a:rPr lang="zh-CN" altLang="en-US" dirty="0"/>
-              <a:t> </a:t>
-            </a:r>
-            <a:r>
-              <a:rPr lang="en-US" altLang="zh-CN" dirty="0"/>
-              <a:t>low</a:t>
-            </a:r>
-            <a:r>
-              <a:rPr lang="zh-CN" altLang="en-US" dirty="0"/>
-              <a:t> </a:t>
-            </a:r>
-            <a:r>
-              <a:rPr lang="en-US" altLang="zh-CN" dirty="0"/>
-              <a:t>light</a:t>
-            </a:r>
-            <a:r>
-              <a:rPr lang="zh-CN" altLang="en-US" dirty="0"/>
-              <a:t> </a:t>
-            </a:r>
-            <a:r>
-              <a:rPr lang="en-US" altLang="zh-CN" dirty="0"/>
-              <a:t>environment</a:t>
+              <a:t>Manual mode</a:t>
+            </a:r>
+            <a:r>
+              <a:rPr lang="zh-CN" altLang="en-US" dirty="0"/>
+              <a:t>的时候，</a:t>
+            </a:r>
+            <a:r>
+              <a:rPr lang="en-US" altLang="zh-CN" dirty="0"/>
+              <a:t>histogram</a:t>
+            </a:r>
+            <a:r>
+              <a:rPr lang="zh-CN" altLang="en-US" dirty="0"/>
+              <a:t>是个很好的参考</a:t>
             </a:r>
             <a:endParaRPr lang="en-US" altLang="ja-JP" dirty="0"/>
           </a:p>
         </p:txBody>
       </p:sp>
+      <p:pic>
+        <p:nvPicPr>
+          <p:cNvPr id="4" name="Picture 3">
+            <a:extLst>
+              <a:ext uri="{FF2B5EF4-FFF2-40B4-BE49-F238E27FC236}">
+                <a16:creationId xmlns:a16="http://schemas.microsoft.com/office/drawing/2014/main" id="{E4058A1A-AA9D-466A-A08B-324AFB6DEFB4}"/>
+              </a:ext>
+            </a:extLst>
+          </p:cNvPr>
+          <p:cNvPicPr>
+            <a:picLocks noChangeAspect="1"/>
+          </p:cNvPicPr>
+          <p:nvPr/>
+        </p:nvPicPr>
+        <p:blipFill>
+          <a:blip r:embed="rId2"/>
+          <a:stretch>
+            <a:fillRect/>
+          </a:stretch>
+        </p:blipFill>
+        <p:spPr>
+          <a:xfrm>
+            <a:off x="6525344" y="4211960"/>
+            <a:ext cx="4666084" cy="2384723"/>
+          </a:xfrm>
+          <a:prstGeom prst="rect">
+            <a:avLst/>
+          </a:prstGeom>
+        </p:spPr>
+      </p:pic>
+      <p:pic>
+        <p:nvPicPr>
+          <p:cNvPr id="5" name="Picture 4">
+            <a:extLst>
+              <a:ext uri="{FF2B5EF4-FFF2-40B4-BE49-F238E27FC236}">
+                <a16:creationId xmlns:a16="http://schemas.microsoft.com/office/drawing/2014/main" id="{E9E636BC-353A-4810-97C3-D3CE6768740C}"/>
+              </a:ext>
+            </a:extLst>
+          </p:cNvPr>
+          <p:cNvPicPr>
+            <a:picLocks noChangeAspect="1"/>
+          </p:cNvPicPr>
+          <p:nvPr/>
+        </p:nvPicPr>
+        <p:blipFill>
+          <a:blip r:embed="rId3"/>
+          <a:stretch>
+            <a:fillRect/>
+          </a:stretch>
+        </p:blipFill>
+        <p:spPr>
+          <a:xfrm>
+            <a:off x="6597352" y="107504"/>
+            <a:ext cx="4094782" cy="2089439"/>
+          </a:xfrm>
+          <a:prstGeom prst="rect">
+            <a:avLst/>
+          </a:prstGeom>
+        </p:spPr>
+      </p:pic>
     </p:spTree>
     <p:extLst>
       <p:ext uri="{BB962C8B-B14F-4D97-AF65-F5344CB8AC3E}">
